--- a/Git/How to use Git Flow.pptx
+++ b/Git/How to use Git Flow.pptx
@@ -4,16 +4,24 @@
   <p:sldMasterIdLst>
     <p:sldMasterId id="2147483768" r:id="rId1"/>
   </p:sldMasterIdLst>
+  <p:notesMasterIdLst>
+    <p:notesMasterId r:id="rId13"/>
+  </p:notesMasterIdLst>
+  <p:handoutMasterIdLst>
+    <p:handoutMasterId r:id="rId14"/>
+  </p:handoutMasterIdLst>
   <p:sldIdLst>
     <p:sldId id="262" r:id="rId2"/>
     <p:sldId id="256" r:id="rId3"/>
     <p:sldId id="263" r:id="rId4"/>
-    <p:sldId id="264" r:id="rId5"/>
+    <p:sldId id="271" r:id="rId5"/>
     <p:sldId id="265" r:id="rId6"/>
-    <p:sldId id="270" r:id="rId7"/>
-    <p:sldId id="266" r:id="rId8"/>
-    <p:sldId id="271" r:id="rId9"/>
-    <p:sldId id="267" r:id="rId10"/>
+    <p:sldId id="274" r:id="rId7"/>
+    <p:sldId id="273" r:id="rId8"/>
+    <p:sldId id="270" r:id="rId9"/>
+    <p:sldId id="266" r:id="rId10"/>
+    <p:sldId id="272" r:id="rId11"/>
+    <p:sldId id="267" r:id="rId12"/>
   </p:sldIdLst>
   <p:sldSz cx="12192000" cy="6858000"/>
   <p:notesSz cx="6858000" cy="9144000"/>
@@ -120,6 +128,607 @@
 </p:presentation>
 </file>
 
+<file path=ppt/handoutMasters/handoutMaster1.xml><?xml version="1.0" encoding="utf-8"?>
+<p:handoutMaster xmlns:a="http://schemas.openxmlformats.org/drawingml/2006/main" xmlns:r="http://schemas.openxmlformats.org/officeDocument/2006/relationships" xmlns:p="http://schemas.openxmlformats.org/presentationml/2006/main">
+  <p:cSld>
+    <p:bg>
+      <p:bgRef idx="1001">
+        <a:schemeClr val="bg1"/>
+      </p:bgRef>
+    </p:bg>
+    <p:spTree>
+      <p:nvGrpSpPr>
+        <p:cNvPr id="1" name=""/>
+        <p:cNvGrpSpPr/>
+        <p:nvPr/>
+      </p:nvGrpSpPr>
+      <p:grpSpPr>
+        <a:xfrm>
+          <a:off x="0" y="0"/>
+          <a:ext cx="0" cy="0"/>
+          <a:chOff x="0" y="0"/>
+          <a:chExt cx="0" cy="0"/>
+        </a:xfrm>
+      </p:grpSpPr>
+      <p:sp>
+        <p:nvSpPr>
+          <p:cNvPr id="2" name="Header Placeholder 1"/>
+          <p:cNvSpPr>
+            <a:spLocks noGrp="1"/>
+          </p:cNvSpPr>
+          <p:nvPr>
+            <p:ph type="hdr" sz="quarter"/>
+          </p:nvPr>
+        </p:nvSpPr>
+        <p:spPr>
+          <a:xfrm>
+            <a:off x="0" y="0"/>
+            <a:ext cx="2971800" cy="458788"/>
+          </a:xfrm>
+          <a:prstGeom prst="rect">
+            <a:avLst/>
+          </a:prstGeom>
+        </p:spPr>
+        <p:txBody>
+          <a:bodyPr vert="horz" lIns="91440" tIns="45720" rIns="91440" bIns="45720" rtlCol="0"/>
+          <a:lstStyle>
+            <a:lvl1pPr algn="l">
+              <a:defRPr sz="1200"/>
+            </a:lvl1pPr>
+          </a:lstStyle>
+          <a:p>
+            <a:endParaRPr lang="en-US"/>
+          </a:p>
+        </p:txBody>
+      </p:sp>
+      <p:sp>
+        <p:nvSpPr>
+          <p:cNvPr id="3" name="Date Placeholder 2"/>
+          <p:cNvSpPr>
+            <a:spLocks noGrp="1"/>
+          </p:cNvSpPr>
+          <p:nvPr>
+            <p:ph type="dt" sz="quarter" idx="1"/>
+          </p:nvPr>
+        </p:nvSpPr>
+        <p:spPr>
+          <a:xfrm>
+            <a:off x="3884613" y="0"/>
+            <a:ext cx="2971800" cy="458788"/>
+          </a:xfrm>
+          <a:prstGeom prst="rect">
+            <a:avLst/>
+          </a:prstGeom>
+        </p:spPr>
+        <p:txBody>
+          <a:bodyPr vert="horz" lIns="91440" tIns="45720" rIns="91440" bIns="45720" rtlCol="0"/>
+          <a:lstStyle>
+            <a:lvl1pPr algn="r">
+              <a:defRPr sz="1200"/>
+            </a:lvl1pPr>
+          </a:lstStyle>
+          <a:p>
+            <a:fld id="{EE840303-5304-4FA3-8D0E-2C343E8709BA}" type="datetimeFigureOut">
+              <a:rPr lang="en-US" smtClean="0"/>
+              <a:t>4/21/2018</a:t>
+            </a:fld>
+            <a:endParaRPr lang="en-US"/>
+          </a:p>
+        </p:txBody>
+      </p:sp>
+      <p:sp>
+        <p:nvSpPr>
+          <p:cNvPr id="4" name="Footer Placeholder 3"/>
+          <p:cNvSpPr>
+            <a:spLocks noGrp="1"/>
+          </p:cNvSpPr>
+          <p:nvPr>
+            <p:ph type="ftr" sz="quarter" idx="2"/>
+          </p:nvPr>
+        </p:nvSpPr>
+        <p:spPr>
+          <a:xfrm>
+            <a:off x="0" y="8685213"/>
+            <a:ext cx="2971800" cy="458787"/>
+          </a:xfrm>
+          <a:prstGeom prst="rect">
+            <a:avLst/>
+          </a:prstGeom>
+        </p:spPr>
+        <p:txBody>
+          <a:bodyPr vert="horz" lIns="91440" tIns="45720" rIns="91440" bIns="45720" rtlCol="0" anchor="b"/>
+          <a:lstStyle>
+            <a:lvl1pPr algn="l">
+              <a:defRPr sz="1200"/>
+            </a:lvl1pPr>
+          </a:lstStyle>
+          <a:p>
+            <a:endParaRPr lang="en-US"/>
+          </a:p>
+        </p:txBody>
+      </p:sp>
+      <p:sp>
+        <p:nvSpPr>
+          <p:cNvPr id="5" name="Slide Number Placeholder 4"/>
+          <p:cNvSpPr>
+            <a:spLocks noGrp="1"/>
+          </p:cNvSpPr>
+          <p:nvPr>
+            <p:ph type="sldNum" sz="quarter" idx="3"/>
+          </p:nvPr>
+        </p:nvSpPr>
+        <p:spPr>
+          <a:xfrm>
+            <a:off x="3884613" y="8685213"/>
+            <a:ext cx="2971800" cy="458787"/>
+          </a:xfrm>
+          <a:prstGeom prst="rect">
+            <a:avLst/>
+          </a:prstGeom>
+        </p:spPr>
+        <p:txBody>
+          <a:bodyPr vert="horz" lIns="91440" tIns="45720" rIns="91440" bIns="45720" rtlCol="0" anchor="b"/>
+          <a:lstStyle>
+            <a:lvl1pPr algn="r">
+              <a:defRPr sz="1200"/>
+            </a:lvl1pPr>
+          </a:lstStyle>
+          <a:p>
+            <a:fld id="{CF5A3F1E-2A85-4E4B-9543-17009DCEF29E}" type="slidenum">
+              <a:rPr lang="en-US" smtClean="0"/>
+              <a:t>‹#›</a:t>
+            </a:fld>
+            <a:endParaRPr lang="en-US"/>
+          </a:p>
+        </p:txBody>
+      </p:sp>
+    </p:spTree>
+    <p:extLst>
+      <p:ext uri="{BB962C8B-B14F-4D97-AF65-F5344CB8AC3E}">
+        <p14:creationId xmlns:p14="http://schemas.microsoft.com/office/powerpoint/2010/main" val="2317194407"/>
+      </p:ext>
+    </p:extLst>
+  </p:cSld>
+  <p:clrMap bg1="lt1" tx1="dk1" bg2="lt2" tx2="dk2" accent1="accent1" accent2="accent2" accent3="accent3" accent4="accent4" accent5="accent5" accent6="accent6" hlink="hlink" folHlink="folHlink"/>
+  <p:hf hdr="0" ftr="0" dt="0"/>
+</p:handoutMaster>
+</file>
+
+<file path=ppt/notesMasters/notesMaster1.xml><?xml version="1.0" encoding="utf-8"?>
+<p:notesMaster xmlns:a="http://schemas.openxmlformats.org/drawingml/2006/main" xmlns:r="http://schemas.openxmlformats.org/officeDocument/2006/relationships" xmlns:p="http://schemas.openxmlformats.org/presentationml/2006/main">
+  <p:cSld>
+    <p:bg>
+      <p:bgRef idx="1001">
+        <a:schemeClr val="bg1"/>
+      </p:bgRef>
+    </p:bg>
+    <p:spTree>
+      <p:nvGrpSpPr>
+        <p:cNvPr id="1" name=""/>
+        <p:cNvGrpSpPr/>
+        <p:nvPr/>
+      </p:nvGrpSpPr>
+      <p:grpSpPr>
+        <a:xfrm>
+          <a:off x="0" y="0"/>
+          <a:ext cx="0" cy="0"/>
+          <a:chOff x="0" y="0"/>
+          <a:chExt cx="0" cy="0"/>
+        </a:xfrm>
+      </p:grpSpPr>
+      <p:sp>
+        <p:nvSpPr>
+          <p:cNvPr id="2" name="Header Placeholder 1"/>
+          <p:cNvSpPr>
+            <a:spLocks noGrp="1"/>
+          </p:cNvSpPr>
+          <p:nvPr>
+            <p:ph type="hdr" sz="quarter"/>
+          </p:nvPr>
+        </p:nvSpPr>
+        <p:spPr>
+          <a:xfrm>
+            <a:off x="0" y="0"/>
+            <a:ext cx="2971800" cy="458788"/>
+          </a:xfrm>
+          <a:prstGeom prst="rect">
+            <a:avLst/>
+          </a:prstGeom>
+        </p:spPr>
+        <p:txBody>
+          <a:bodyPr vert="horz" lIns="91440" tIns="45720" rIns="91440" bIns="45720" rtlCol="0"/>
+          <a:lstStyle>
+            <a:lvl1pPr algn="l">
+              <a:defRPr sz="1200"/>
+            </a:lvl1pPr>
+          </a:lstStyle>
+          <a:p>
+            <a:endParaRPr lang="en-US"/>
+          </a:p>
+        </p:txBody>
+      </p:sp>
+      <p:sp>
+        <p:nvSpPr>
+          <p:cNvPr id="3" name="Date Placeholder 2"/>
+          <p:cNvSpPr>
+            <a:spLocks noGrp="1"/>
+          </p:cNvSpPr>
+          <p:nvPr>
+            <p:ph type="dt" idx="1"/>
+          </p:nvPr>
+        </p:nvSpPr>
+        <p:spPr>
+          <a:xfrm>
+            <a:off x="3884613" y="0"/>
+            <a:ext cx="2971800" cy="458788"/>
+          </a:xfrm>
+          <a:prstGeom prst="rect">
+            <a:avLst/>
+          </a:prstGeom>
+        </p:spPr>
+        <p:txBody>
+          <a:bodyPr vert="horz" lIns="91440" tIns="45720" rIns="91440" bIns="45720" rtlCol="0"/>
+          <a:lstStyle>
+            <a:lvl1pPr algn="r">
+              <a:defRPr sz="1200"/>
+            </a:lvl1pPr>
+          </a:lstStyle>
+          <a:p>
+            <a:fld id="{AAD6029B-4A0E-40D3-A66F-3D0A1175100D}" type="datetimeFigureOut">
+              <a:rPr lang="en-US" smtClean="0"/>
+              <a:t>4/21/2018</a:t>
+            </a:fld>
+            <a:endParaRPr lang="en-US"/>
+          </a:p>
+        </p:txBody>
+      </p:sp>
+      <p:sp>
+        <p:nvSpPr>
+          <p:cNvPr id="4" name="Slide Image Placeholder 3"/>
+          <p:cNvSpPr>
+            <a:spLocks noGrp="1" noRot="1" noChangeAspect="1"/>
+          </p:cNvSpPr>
+          <p:nvPr>
+            <p:ph type="sldImg" idx="2"/>
+          </p:nvPr>
+        </p:nvSpPr>
+        <p:spPr>
+          <a:xfrm>
+            <a:off x="685800" y="1143000"/>
+            <a:ext cx="5486400" cy="3086100"/>
+          </a:xfrm>
+          <a:prstGeom prst="rect">
+            <a:avLst/>
+          </a:prstGeom>
+          <a:noFill/>
+          <a:ln w="12700">
+            <a:solidFill>
+              <a:prstClr val="black"/>
+            </a:solidFill>
+          </a:ln>
+        </p:spPr>
+        <p:txBody>
+          <a:bodyPr vert="horz" lIns="91440" tIns="45720" rIns="91440" bIns="45720" rtlCol="0" anchor="ctr"/>
+          <a:lstStyle/>
+          <a:p>
+            <a:endParaRPr lang="en-US"/>
+          </a:p>
+        </p:txBody>
+      </p:sp>
+      <p:sp>
+        <p:nvSpPr>
+          <p:cNvPr id="5" name="Notes Placeholder 4"/>
+          <p:cNvSpPr>
+            <a:spLocks noGrp="1"/>
+          </p:cNvSpPr>
+          <p:nvPr>
+            <p:ph type="body" sz="quarter" idx="3"/>
+          </p:nvPr>
+        </p:nvSpPr>
+        <p:spPr>
+          <a:xfrm>
+            <a:off x="685800" y="4400550"/>
+            <a:ext cx="5486400" cy="3600450"/>
+          </a:xfrm>
+          <a:prstGeom prst="rect">
+            <a:avLst/>
+          </a:prstGeom>
+        </p:spPr>
+        <p:txBody>
+          <a:bodyPr vert="horz" lIns="91440" tIns="45720" rIns="91440" bIns="45720" rtlCol="0"/>
+          <a:lstStyle/>
+          <a:p>
+            <a:pPr lvl="0"/>
+            <a:r>
+              <a:rPr lang="en-US" smtClean="0"/>
+              <a:t>Click to edit Master text styles</a:t>
+            </a:r>
+          </a:p>
+          <a:p>
+            <a:pPr lvl="1"/>
+            <a:r>
+              <a:rPr lang="en-US" smtClean="0"/>
+              <a:t>Second level</a:t>
+            </a:r>
+          </a:p>
+          <a:p>
+            <a:pPr lvl="2"/>
+            <a:r>
+              <a:rPr lang="en-US" smtClean="0"/>
+              <a:t>Third level</a:t>
+            </a:r>
+          </a:p>
+          <a:p>
+            <a:pPr lvl="3"/>
+            <a:r>
+              <a:rPr lang="en-US" smtClean="0"/>
+              <a:t>Fourth level</a:t>
+            </a:r>
+          </a:p>
+          <a:p>
+            <a:pPr lvl="4"/>
+            <a:r>
+              <a:rPr lang="en-US" smtClean="0"/>
+              <a:t>Fifth level</a:t>
+            </a:r>
+            <a:endParaRPr lang="en-US"/>
+          </a:p>
+        </p:txBody>
+      </p:sp>
+      <p:sp>
+        <p:nvSpPr>
+          <p:cNvPr id="6" name="Footer Placeholder 5"/>
+          <p:cNvSpPr>
+            <a:spLocks noGrp="1"/>
+          </p:cNvSpPr>
+          <p:nvPr>
+            <p:ph type="ftr" sz="quarter" idx="4"/>
+          </p:nvPr>
+        </p:nvSpPr>
+        <p:spPr>
+          <a:xfrm>
+            <a:off x="0" y="8685213"/>
+            <a:ext cx="2971800" cy="458787"/>
+          </a:xfrm>
+          <a:prstGeom prst="rect">
+            <a:avLst/>
+          </a:prstGeom>
+        </p:spPr>
+        <p:txBody>
+          <a:bodyPr vert="horz" lIns="91440" tIns="45720" rIns="91440" bIns="45720" rtlCol="0" anchor="b"/>
+          <a:lstStyle>
+            <a:lvl1pPr algn="l">
+              <a:defRPr sz="1200"/>
+            </a:lvl1pPr>
+          </a:lstStyle>
+          <a:p>
+            <a:endParaRPr lang="en-US"/>
+          </a:p>
+        </p:txBody>
+      </p:sp>
+      <p:sp>
+        <p:nvSpPr>
+          <p:cNvPr id="7" name="Slide Number Placeholder 6"/>
+          <p:cNvSpPr>
+            <a:spLocks noGrp="1"/>
+          </p:cNvSpPr>
+          <p:nvPr>
+            <p:ph type="sldNum" sz="quarter" idx="5"/>
+          </p:nvPr>
+        </p:nvSpPr>
+        <p:spPr>
+          <a:xfrm>
+            <a:off x="3884613" y="8685213"/>
+            <a:ext cx="2971800" cy="458787"/>
+          </a:xfrm>
+          <a:prstGeom prst="rect">
+            <a:avLst/>
+          </a:prstGeom>
+        </p:spPr>
+        <p:txBody>
+          <a:bodyPr vert="horz" lIns="91440" tIns="45720" rIns="91440" bIns="45720" rtlCol="0" anchor="b"/>
+          <a:lstStyle>
+            <a:lvl1pPr algn="r">
+              <a:defRPr sz="1200"/>
+            </a:lvl1pPr>
+          </a:lstStyle>
+          <a:p>
+            <a:fld id="{0520A06B-A9D5-43C0-8D4B-8E967E6102AB}" type="slidenum">
+              <a:rPr lang="en-US" smtClean="0"/>
+              <a:t>‹#›</a:t>
+            </a:fld>
+            <a:endParaRPr lang="en-US"/>
+          </a:p>
+        </p:txBody>
+      </p:sp>
+    </p:spTree>
+    <p:extLst>
+      <p:ext uri="{BB962C8B-B14F-4D97-AF65-F5344CB8AC3E}">
+        <p14:creationId xmlns:p14="http://schemas.microsoft.com/office/powerpoint/2010/main" val="3482878626"/>
+      </p:ext>
+    </p:extLst>
+  </p:cSld>
+  <p:clrMap bg1="lt1" tx1="dk1" bg2="lt2" tx2="dk2" accent1="accent1" accent2="accent2" accent3="accent3" accent4="accent4" accent5="accent5" accent6="accent6" hlink="hlink" folHlink="folHlink"/>
+  <p:hf hdr="0" ftr="0" dt="0"/>
+  <p:notesStyle>
+    <a:lvl1pPr marL="0" algn="l" defTabSz="914400" rtl="0" eaLnBrk="1" latinLnBrk="0" hangingPunct="1">
+      <a:defRPr sz="1200" kern="1200">
+        <a:solidFill>
+          <a:schemeClr val="tx1"/>
+        </a:solidFill>
+        <a:latin typeface="+mn-lt"/>
+        <a:ea typeface="+mn-ea"/>
+        <a:cs typeface="+mn-cs"/>
+      </a:defRPr>
+    </a:lvl1pPr>
+    <a:lvl2pPr marL="457200" algn="l" defTabSz="914400" rtl="0" eaLnBrk="1" latinLnBrk="0" hangingPunct="1">
+      <a:defRPr sz="1200" kern="1200">
+        <a:solidFill>
+          <a:schemeClr val="tx1"/>
+        </a:solidFill>
+        <a:latin typeface="+mn-lt"/>
+        <a:ea typeface="+mn-ea"/>
+        <a:cs typeface="+mn-cs"/>
+      </a:defRPr>
+    </a:lvl2pPr>
+    <a:lvl3pPr marL="914400" algn="l" defTabSz="914400" rtl="0" eaLnBrk="1" latinLnBrk="0" hangingPunct="1">
+      <a:defRPr sz="1200" kern="1200">
+        <a:solidFill>
+          <a:schemeClr val="tx1"/>
+        </a:solidFill>
+        <a:latin typeface="+mn-lt"/>
+        <a:ea typeface="+mn-ea"/>
+        <a:cs typeface="+mn-cs"/>
+      </a:defRPr>
+    </a:lvl3pPr>
+    <a:lvl4pPr marL="1371600" algn="l" defTabSz="914400" rtl="0" eaLnBrk="1" latinLnBrk="0" hangingPunct="1">
+      <a:defRPr sz="1200" kern="1200">
+        <a:solidFill>
+          <a:schemeClr val="tx1"/>
+        </a:solidFill>
+        <a:latin typeface="+mn-lt"/>
+        <a:ea typeface="+mn-ea"/>
+        <a:cs typeface="+mn-cs"/>
+      </a:defRPr>
+    </a:lvl4pPr>
+    <a:lvl5pPr marL="1828800" algn="l" defTabSz="914400" rtl="0" eaLnBrk="1" latinLnBrk="0" hangingPunct="1">
+      <a:defRPr sz="1200" kern="1200">
+        <a:solidFill>
+          <a:schemeClr val="tx1"/>
+        </a:solidFill>
+        <a:latin typeface="+mn-lt"/>
+        <a:ea typeface="+mn-ea"/>
+        <a:cs typeface="+mn-cs"/>
+      </a:defRPr>
+    </a:lvl5pPr>
+    <a:lvl6pPr marL="2286000" algn="l" defTabSz="914400" rtl="0" eaLnBrk="1" latinLnBrk="0" hangingPunct="1">
+      <a:defRPr sz="1200" kern="1200">
+        <a:solidFill>
+          <a:schemeClr val="tx1"/>
+        </a:solidFill>
+        <a:latin typeface="+mn-lt"/>
+        <a:ea typeface="+mn-ea"/>
+        <a:cs typeface="+mn-cs"/>
+      </a:defRPr>
+    </a:lvl6pPr>
+    <a:lvl7pPr marL="2743200" algn="l" defTabSz="914400" rtl="0" eaLnBrk="1" latinLnBrk="0" hangingPunct="1">
+      <a:defRPr sz="1200" kern="1200">
+        <a:solidFill>
+          <a:schemeClr val="tx1"/>
+        </a:solidFill>
+        <a:latin typeface="+mn-lt"/>
+        <a:ea typeface="+mn-ea"/>
+        <a:cs typeface="+mn-cs"/>
+      </a:defRPr>
+    </a:lvl7pPr>
+    <a:lvl8pPr marL="3200400" algn="l" defTabSz="914400" rtl="0" eaLnBrk="1" latinLnBrk="0" hangingPunct="1">
+      <a:defRPr sz="1200" kern="1200">
+        <a:solidFill>
+          <a:schemeClr val="tx1"/>
+        </a:solidFill>
+        <a:latin typeface="+mn-lt"/>
+        <a:ea typeface="+mn-ea"/>
+        <a:cs typeface="+mn-cs"/>
+      </a:defRPr>
+    </a:lvl8pPr>
+    <a:lvl9pPr marL="3657600" algn="l" defTabSz="914400" rtl="0" eaLnBrk="1" latinLnBrk="0" hangingPunct="1">
+      <a:defRPr sz="1200" kern="1200">
+        <a:solidFill>
+          <a:schemeClr val="tx1"/>
+        </a:solidFill>
+        <a:latin typeface="+mn-lt"/>
+        <a:ea typeface="+mn-ea"/>
+        <a:cs typeface="+mn-cs"/>
+      </a:defRPr>
+    </a:lvl9pPr>
+  </p:notesStyle>
+</p:notesMaster>
+</file>
+
+<file path=ppt/notesSlides/notesSlide1.xml><?xml version="1.0" encoding="utf-8"?>
+<p:notes xmlns:a="http://schemas.openxmlformats.org/drawingml/2006/main" xmlns:r="http://schemas.openxmlformats.org/officeDocument/2006/relationships" xmlns:p="http://schemas.openxmlformats.org/presentationml/2006/main">
+  <p:cSld>
+    <p:spTree>
+      <p:nvGrpSpPr>
+        <p:cNvPr id="1" name=""/>
+        <p:cNvGrpSpPr/>
+        <p:nvPr/>
+      </p:nvGrpSpPr>
+      <p:grpSpPr>
+        <a:xfrm>
+          <a:off x="0" y="0"/>
+          <a:ext cx="0" cy="0"/>
+          <a:chOff x="0" y="0"/>
+          <a:chExt cx="0" cy="0"/>
+        </a:xfrm>
+      </p:grpSpPr>
+      <p:sp>
+        <p:nvSpPr>
+          <p:cNvPr id="2" name="Slide Image Placeholder 1"/>
+          <p:cNvSpPr>
+            <a:spLocks noGrp="1" noRot="1" noChangeAspect="1"/>
+          </p:cNvSpPr>
+          <p:nvPr>
+            <p:ph type="sldImg"/>
+          </p:nvPr>
+        </p:nvSpPr>
+        <p:spPr/>
+      </p:sp>
+      <p:sp>
+        <p:nvSpPr>
+          <p:cNvPr id="3" name="Notes Placeholder 2"/>
+          <p:cNvSpPr>
+            <a:spLocks noGrp="1"/>
+          </p:cNvSpPr>
+          <p:nvPr>
+            <p:ph type="body" idx="1"/>
+          </p:nvPr>
+        </p:nvSpPr>
+        <p:spPr/>
+        <p:txBody>
+          <a:bodyPr/>
+          <a:lstStyle/>
+          <a:p>
+            <a:endParaRPr lang="en-US"/>
+          </a:p>
+        </p:txBody>
+      </p:sp>
+      <p:sp>
+        <p:nvSpPr>
+          <p:cNvPr id="4" name="Slide Number Placeholder 3"/>
+          <p:cNvSpPr>
+            <a:spLocks noGrp="1"/>
+          </p:cNvSpPr>
+          <p:nvPr>
+            <p:ph type="sldNum" sz="quarter" idx="10"/>
+          </p:nvPr>
+        </p:nvSpPr>
+        <p:spPr/>
+        <p:txBody>
+          <a:bodyPr/>
+          <a:lstStyle/>
+          <a:p>
+            <a:fld id="{0520A06B-A9D5-43C0-8D4B-8E967E6102AB}" type="slidenum">
+              <a:rPr lang="en-US" smtClean="0"/>
+              <a:t>1</a:t>
+            </a:fld>
+            <a:endParaRPr lang="en-US"/>
+          </a:p>
+        </p:txBody>
+      </p:sp>
+    </p:spTree>
+    <p:extLst>
+      <p:ext uri="{BB962C8B-B14F-4D97-AF65-F5344CB8AC3E}">
+        <p14:creationId xmlns:p14="http://schemas.microsoft.com/office/powerpoint/2010/main" val="874599104"/>
+      </p:ext>
+    </p:extLst>
+  </p:cSld>
+  <p:clrMapOvr>
+    <a:masterClrMapping/>
+  </p:clrMapOvr>
+</p:notes>
+</file>
+
 <file path=ppt/slideLayouts/slideLayout1.xml><?xml version="1.0" encoding="utf-8"?>
 <p:sldLayout xmlns:a="http://schemas.openxmlformats.org/drawingml/2006/main" xmlns:r="http://schemas.openxmlformats.org/officeDocument/2006/relationships" xmlns:p="http://schemas.openxmlformats.org/presentationml/2006/main" showMasterSp="0" type="title" preserve="1">
   <p:cSld name="Title Slide">
@@ -344,9 +953,9 @@
           <a:bodyPr/>
           <a:lstStyle/>
           <a:p>
-            <a:fld id="{59CF0830-2652-420A-AFB6-CEF617AD8E2F}" type="datetimeFigureOut">
-              <a:rPr lang="en-US" smtClean="0"/>
-              <a:t>4/20/2018</a:t>
+            <a:fld id="{A8FBD10E-B858-4B7B-9932-50585488FC7C}" type="datetime1">
+              <a:rPr lang="en-US" smtClean="0"/>
+              <a:t>4/21/2018</a:t>
             </a:fld>
             <a:endParaRPr lang="en-US"/>
           </a:p>
@@ -552,9 +1161,9 @@
           <a:bodyPr/>
           <a:lstStyle/>
           <a:p>
-            <a:fld id="{59CF0830-2652-420A-AFB6-CEF617AD8E2F}" type="datetimeFigureOut">
-              <a:rPr lang="en-US" smtClean="0"/>
-              <a:t>4/20/2018</a:t>
+            <a:fld id="{568CCBD3-2B4A-4485-BE4F-01FEB3C4E40E}" type="datetime1">
+              <a:rPr lang="en-US" smtClean="0"/>
+              <a:t>4/21/2018</a:t>
             </a:fld>
             <a:endParaRPr lang="en-US"/>
           </a:p>
@@ -808,9 +1417,9 @@
           <a:bodyPr/>
           <a:lstStyle/>
           <a:p>
-            <a:fld id="{59CF0830-2652-420A-AFB6-CEF617AD8E2F}" type="datetimeFigureOut">
-              <a:rPr lang="en-US" smtClean="0"/>
-              <a:t>4/20/2018</a:t>
+            <a:fld id="{504AAD18-3DF8-476F-AD9C-41C3B26233FB}" type="datetime1">
+              <a:rPr lang="en-US" smtClean="0"/>
+              <a:t>4/21/2018</a:t>
             </a:fld>
             <a:endParaRPr lang="en-US"/>
           </a:p>
@@ -982,9 +1591,9 @@
           <a:bodyPr/>
           <a:lstStyle/>
           <a:p>
-            <a:fld id="{59CF0830-2652-420A-AFB6-CEF617AD8E2F}" type="datetimeFigureOut">
-              <a:rPr lang="en-US" smtClean="0"/>
-              <a:t>4/20/2018</a:t>
+            <a:fld id="{67599873-145C-4E15-AFBA-A443251A9BB3}" type="datetime1">
+              <a:rPr lang="en-US" smtClean="0"/>
+              <a:t>4/21/2018</a:t>
             </a:fld>
             <a:endParaRPr lang="en-US"/>
           </a:p>
@@ -1325,9 +1934,9 @@
           <a:bodyPr/>
           <a:lstStyle/>
           <a:p>
-            <a:fld id="{59CF0830-2652-420A-AFB6-CEF617AD8E2F}" type="datetimeFigureOut">
-              <a:rPr lang="en-US" smtClean="0"/>
-              <a:t>4/20/2018</a:t>
+            <a:fld id="{7C0BB272-C272-4437-B6BE-15296A58F084}" type="datetime1">
+              <a:rPr lang="en-US" smtClean="0"/>
+              <a:t>4/21/2018</a:t>
             </a:fld>
             <a:endParaRPr lang="en-US"/>
           </a:p>
@@ -1600,9 +2209,9 @@
           <a:bodyPr/>
           <a:lstStyle/>
           <a:p>
-            <a:fld id="{59CF0830-2652-420A-AFB6-CEF617AD8E2F}" type="datetimeFigureOut">
-              <a:rPr lang="en-US" smtClean="0"/>
-              <a:t>4/20/2018</a:t>
+            <a:fld id="{87BB4CEB-1E9F-4512-A0F9-70CC3B7490A9}" type="datetime1">
+              <a:rPr lang="en-US" smtClean="0"/>
+              <a:t>4/21/2018</a:t>
             </a:fld>
             <a:endParaRPr lang="en-US"/>
           </a:p>
@@ -1979,9 +2588,9 @@
           <a:bodyPr/>
           <a:lstStyle/>
           <a:p>
-            <a:fld id="{59CF0830-2652-420A-AFB6-CEF617AD8E2F}" type="datetimeFigureOut">
-              <a:rPr lang="en-US" smtClean="0"/>
-              <a:t>4/20/2018</a:t>
+            <a:fld id="{A00D9158-C0EE-48B8-92A0-CE4802FBB9B1}" type="datetime1">
+              <a:rPr lang="en-US" smtClean="0"/>
+              <a:t>4/21/2018</a:t>
             </a:fld>
             <a:endParaRPr lang="en-US"/>
           </a:p>
@@ -2097,9 +2706,9 @@
           <a:bodyPr/>
           <a:lstStyle/>
           <a:p>
-            <a:fld id="{59CF0830-2652-420A-AFB6-CEF617AD8E2F}" type="datetimeFigureOut">
-              <a:rPr lang="en-US" smtClean="0"/>
-              <a:t>4/20/2018</a:t>
+            <a:fld id="{A3F32234-42CC-42A8-BE1C-017887DCC49A}" type="datetime1">
+              <a:rPr lang="en-US" smtClean="0"/>
+              <a:t>4/21/2018</a:t>
             </a:fld>
             <a:endParaRPr lang="en-US"/>
           </a:p>
@@ -2268,9 +2877,9 @@
           <a:bodyPr/>
           <a:lstStyle/>
           <a:p>
-            <a:fld id="{59CF0830-2652-420A-AFB6-CEF617AD8E2F}" type="datetimeFigureOut">
-              <a:rPr lang="en-US" smtClean="0"/>
-              <a:t>4/20/2018</a:t>
+            <a:fld id="{8632BDC4-9937-41F9-BF3C-24598803CC38}" type="datetime1">
+              <a:rPr lang="en-US" smtClean="0"/>
+              <a:t>4/21/2018</a:t>
             </a:fld>
             <a:endParaRPr lang="en-US"/>
           </a:p>
@@ -2622,9 +3231,9 @@
             </a:lvl1pPr>
           </a:lstStyle>
           <a:p>
-            <a:fld id="{59CF0830-2652-420A-AFB6-CEF617AD8E2F}" type="datetimeFigureOut">
-              <a:rPr lang="en-US" smtClean="0"/>
-              <a:t>4/20/2018</a:t>
+            <a:fld id="{91B7B44C-DE5D-4EF7-B7C9-ED1FAFD9CB10}" type="datetime1">
+              <a:rPr lang="en-US" smtClean="0"/>
+              <a:t>4/21/2018</a:t>
             </a:fld>
             <a:endParaRPr lang="en-US"/>
           </a:p>
@@ -3004,9 +3613,9 @@
           <a:bodyPr/>
           <a:lstStyle/>
           <a:p>
-            <a:fld id="{59CF0830-2652-420A-AFB6-CEF617AD8E2F}" type="datetimeFigureOut">
-              <a:rPr lang="en-US" smtClean="0"/>
-              <a:t>4/20/2018</a:t>
+            <a:fld id="{10234017-3A47-402F-8E0A-4071BD39B393}" type="datetime1">
+              <a:rPr lang="en-US" smtClean="0"/>
+              <a:t>4/21/2018</a:t>
             </a:fld>
             <a:endParaRPr lang="en-US"/>
           </a:p>
@@ -3291,9 +3900,9 @@
             </a:lvl1pPr>
           </a:lstStyle>
           <a:p>
-            <a:fld id="{59CF0830-2652-420A-AFB6-CEF617AD8E2F}" type="datetimeFigureOut">
-              <a:rPr lang="en-US" smtClean="0"/>
-              <a:t>4/20/2018</a:t>
+            <a:fld id="{5E55D6C6-0B78-4D9F-8A20-EF0CAA3335CF}" type="datetime1">
+              <a:rPr lang="en-US" smtClean="0"/>
+              <a:t>4/21/2018</a:t>
             </a:fld>
             <a:endParaRPr lang="en-US"/>
           </a:p>
@@ -3432,6 +4041,7 @@
     <p:sldLayoutId id="2147483778" r:id="rId10"/>
     <p:sldLayoutId id="2147483779" r:id="rId11"/>
   </p:sldLayoutIdLst>
+  <p:hf hdr="0" ftr="0" dt="0"/>
   <p:txStyles>
     <p:titleStyle>
       <a:lvl1pPr algn="l" defTabSz="914400" rtl="0" eaLnBrk="1" latinLnBrk="0" hangingPunct="1">
@@ -3864,6 +4474,134 @@
           <p:nvPr/>
         </p:nvPicPr>
         <p:blipFill>
+          <a:blip r:embed="rId3" cstate="print">
+            <a:extLst>
+              <a:ext uri="{28A0092B-C50C-407E-A947-70E740481C1C}">
+                <a14:useLocalDpi xmlns:a14="http://schemas.microsoft.com/office/drawing/2010/main" val="0"/>
+              </a:ext>
+            </a:extLst>
+          </a:blip>
+          <a:stretch>
+            <a:fillRect/>
+          </a:stretch>
+        </p:blipFill>
+        <p:spPr>
+          <a:xfrm>
+            <a:off x="8636734" y="37578"/>
+            <a:ext cx="3555266" cy="1010433"/>
+          </a:xfrm>
+          <a:prstGeom prst="rect">
+            <a:avLst/>
+          </a:prstGeom>
+        </p:spPr>
+      </p:pic>
+      <p:sp>
+        <p:nvSpPr>
+          <p:cNvPr id="5" name="Slide Number Placeholder 4"/>
+          <p:cNvSpPr>
+            <a:spLocks noGrp="1"/>
+          </p:cNvSpPr>
+          <p:nvPr>
+            <p:ph type="sldNum" sz="quarter" idx="12"/>
+          </p:nvPr>
+        </p:nvSpPr>
+        <p:spPr/>
+        <p:txBody>
+          <a:bodyPr/>
+          <a:lstStyle/>
+          <a:p>
+            <a:fld id="{10E0464B-FAF3-4C1A-AC04-9C736FADDBEF}" type="slidenum">
+              <a:rPr lang="en-US" smtClean="0"/>
+              <a:t>1</a:t>
+            </a:fld>
+            <a:endParaRPr lang="en-US"/>
+          </a:p>
+        </p:txBody>
+      </p:sp>
+      <p:sp>
+        <p:nvSpPr>
+          <p:cNvPr id="3" name="TextBox 2"/>
+          <p:cNvSpPr txBox="1"/>
+          <p:nvPr/>
+        </p:nvSpPr>
+        <p:spPr>
+          <a:xfrm>
+            <a:off x="8495586" y="5831840"/>
+            <a:ext cx="2809744" cy="461665"/>
+          </a:xfrm>
+          <a:prstGeom prst="rect">
+            <a:avLst/>
+          </a:prstGeom>
+          <a:noFill/>
+        </p:spPr>
+        <p:txBody>
+          <a:bodyPr wrap="none" rtlCol="0">
+            <a:spAutoFit/>
+          </a:bodyPr>
+          <a:lstStyle/>
+          <a:p>
+            <a:r>
+              <a:rPr lang="en-US" sz="2400" smtClean="0">
+                <a:solidFill>
+                  <a:srgbClr val="FF0000"/>
+                </a:solidFill>
+              </a:rPr>
+              <a:t>Presenter: Dinh Phuc</a:t>
+            </a:r>
+            <a:endParaRPr lang="en-US" sz="2400">
+              <a:solidFill>
+                <a:srgbClr val="FF0000"/>
+              </a:solidFill>
+            </a:endParaRPr>
+          </a:p>
+        </p:txBody>
+      </p:sp>
+    </p:spTree>
+    <p:extLst>
+      <p:ext uri="{BB962C8B-B14F-4D97-AF65-F5344CB8AC3E}">
+        <p14:creationId xmlns:p14="http://schemas.microsoft.com/office/powerpoint/2010/main" val="4081614015"/>
+      </p:ext>
+    </p:extLst>
+  </p:cSld>
+  <p:clrMapOvr>
+    <a:masterClrMapping/>
+  </p:clrMapOvr>
+  <p:timing>
+    <p:tnLst>
+      <p:par>
+        <p:cTn id="1" dur="indefinite" restart="never" nodeType="tmRoot"/>
+      </p:par>
+    </p:tnLst>
+  </p:timing>
+</p:sld>
+</file>
+
+<file path=ppt/slides/slide10.xml><?xml version="1.0" encoding="utf-8"?>
+<p:sld xmlns:a="http://schemas.openxmlformats.org/drawingml/2006/main" xmlns:r="http://schemas.openxmlformats.org/officeDocument/2006/relationships" xmlns:p="http://schemas.openxmlformats.org/presentationml/2006/main">
+  <p:cSld>
+    <p:spTree>
+      <p:nvGrpSpPr>
+        <p:cNvPr id="1" name=""/>
+        <p:cNvGrpSpPr/>
+        <p:nvPr/>
+      </p:nvGrpSpPr>
+      <p:grpSpPr>
+        <a:xfrm>
+          <a:off x="0" y="0"/>
+          <a:ext cx="0" cy="0"/>
+          <a:chOff x="0" y="0"/>
+          <a:chExt cx="0" cy="0"/>
+        </a:xfrm>
+      </p:grpSpPr>
+      <p:pic>
+        <p:nvPicPr>
+          <p:cNvPr id="7" name="Picture 6"/>
+          <p:cNvPicPr>
+            <a:picLocks noChangeAspect="1"/>
+          </p:cNvPicPr>
+          <p:nvPr/>
+        </p:nvPicPr>
+        <p:blipFill>
           <a:blip r:embed="rId2" cstate="print">
             <a:extLst>
               <a:ext uri="{28A0092B-C50C-407E-A947-70E740481C1C}">
@@ -3877,7 +4615,7 @@
         </p:blipFill>
         <p:spPr>
           <a:xfrm>
-            <a:off x="7816602" y="229693"/>
+            <a:off x="8636734" y="0"/>
             <a:ext cx="3555266" cy="1010433"/>
           </a:xfrm>
           <a:prstGeom prst="rect">
@@ -3885,10 +4623,191 @@
           </a:prstGeom>
         </p:spPr>
       </p:pic>
+      <p:pic>
+        <p:nvPicPr>
+          <p:cNvPr id="8" name="Picture 7"/>
+          <p:cNvPicPr>
+            <a:picLocks noChangeAspect="1"/>
+          </p:cNvPicPr>
+          <p:nvPr/>
+        </p:nvPicPr>
+        <p:blipFill>
+          <a:blip r:embed="rId3">
+            <a:extLst>
+              <a:ext uri="{28A0092B-C50C-407E-A947-70E740481C1C}">
+                <a14:useLocalDpi xmlns:a14="http://schemas.microsoft.com/office/drawing/2010/main" val="0"/>
+              </a:ext>
+            </a:extLst>
+          </a:blip>
+          <a:stretch>
+            <a:fillRect/>
+          </a:stretch>
+        </p:blipFill>
+        <p:spPr>
+          <a:xfrm>
+            <a:off x="0" y="45720"/>
+            <a:ext cx="8806605" cy="6273120"/>
+          </a:xfrm>
+          <a:prstGeom prst="rect">
+            <a:avLst/>
+          </a:prstGeom>
+        </p:spPr>
+      </p:pic>
+      <p:sp>
+        <p:nvSpPr>
+          <p:cNvPr id="3" name="Slide Number Placeholder 2"/>
+          <p:cNvSpPr>
+            <a:spLocks noGrp="1"/>
+          </p:cNvSpPr>
+          <p:nvPr>
+            <p:ph type="sldNum" sz="quarter" idx="12"/>
+          </p:nvPr>
+        </p:nvSpPr>
+        <p:spPr/>
+        <p:txBody>
+          <a:bodyPr/>
+          <a:lstStyle/>
+          <a:p>
+            <a:fld id="{10E0464B-FAF3-4C1A-AC04-9C736FADDBEF}" type="slidenum">
+              <a:rPr lang="en-US" smtClean="0"/>
+              <a:t>10</a:t>
+            </a:fld>
+            <a:endParaRPr lang="en-US"/>
+          </a:p>
+        </p:txBody>
+      </p:sp>
     </p:spTree>
     <p:extLst>
       <p:ext uri="{BB962C8B-B14F-4D97-AF65-F5344CB8AC3E}">
-        <p14:creationId xmlns:p14="http://schemas.microsoft.com/office/powerpoint/2010/main" val="4081614015"/>
+        <p14:creationId xmlns:p14="http://schemas.microsoft.com/office/powerpoint/2010/main" val="3207914045"/>
+      </p:ext>
+    </p:extLst>
+  </p:cSld>
+  <p:clrMapOvr>
+    <a:masterClrMapping/>
+  </p:clrMapOvr>
+  <p:timing>
+    <p:tnLst>
+      <p:par>
+        <p:cTn id="1" dur="indefinite" restart="never" nodeType="tmRoot"/>
+      </p:par>
+    </p:tnLst>
+  </p:timing>
+</p:sld>
+</file>
+
+<file path=ppt/slides/slide11.xml><?xml version="1.0" encoding="utf-8"?>
+<p:sld xmlns:a="http://schemas.openxmlformats.org/drawingml/2006/main" xmlns:r="http://schemas.openxmlformats.org/officeDocument/2006/relationships" xmlns:p="http://schemas.openxmlformats.org/presentationml/2006/main">
+  <p:cSld>
+    <p:spTree>
+      <p:nvGrpSpPr>
+        <p:cNvPr id="1" name=""/>
+        <p:cNvGrpSpPr/>
+        <p:nvPr/>
+      </p:nvGrpSpPr>
+      <p:grpSpPr>
+        <a:xfrm>
+          <a:off x="0" y="0"/>
+          <a:ext cx="0" cy="0"/>
+          <a:chOff x="0" y="0"/>
+          <a:chExt cx="0" cy="0"/>
+        </a:xfrm>
+      </p:grpSpPr>
+      <p:pic>
+        <p:nvPicPr>
+          <p:cNvPr id="4" name="Picture 3"/>
+          <p:cNvPicPr>
+            <a:picLocks noChangeAspect="1"/>
+          </p:cNvPicPr>
+          <p:nvPr/>
+        </p:nvPicPr>
+        <p:blipFill>
+          <a:blip r:embed="rId2" cstate="print">
+            <a:extLst>
+              <a:ext uri="{28A0092B-C50C-407E-A947-70E740481C1C}">
+                <a14:useLocalDpi xmlns:a14="http://schemas.microsoft.com/office/drawing/2010/main" val="0"/>
+              </a:ext>
+            </a:extLst>
+          </a:blip>
+          <a:stretch>
+            <a:fillRect/>
+          </a:stretch>
+        </p:blipFill>
+        <p:spPr>
+          <a:xfrm>
+            <a:off x="8636734" y="0"/>
+            <a:ext cx="3555266" cy="1010433"/>
+          </a:xfrm>
+          <a:prstGeom prst="rect">
+            <a:avLst/>
+          </a:prstGeom>
+        </p:spPr>
+      </p:pic>
+      <p:sp>
+        <p:nvSpPr>
+          <p:cNvPr id="5" name="Title 4"/>
+          <p:cNvSpPr>
+            <a:spLocks noGrp="1"/>
+          </p:cNvSpPr>
+          <p:nvPr>
+            <p:ph type="title" idx="4294967295"/>
+          </p:nvPr>
+        </p:nvSpPr>
+        <p:spPr>
+          <a:xfrm>
+            <a:off x="4046220" y="2448374"/>
+            <a:ext cx="3863341" cy="1450975"/>
+          </a:xfrm>
+        </p:spPr>
+        <p:txBody>
+          <a:bodyPr>
+            <a:noAutofit/>
+          </a:bodyPr>
+          <a:lstStyle/>
+          <a:p>
+            <a:r>
+              <a:rPr lang="en-US" sz="9600" b="1" smtClean="0">
+                <a:solidFill>
+                  <a:srgbClr val="FF0000"/>
+                </a:solidFill>
+              </a:rPr>
+              <a:t>DEMO</a:t>
+            </a:r>
+            <a:endParaRPr lang="en-US" sz="9600" b="1">
+              <a:solidFill>
+                <a:srgbClr val="FF0000"/>
+              </a:solidFill>
+            </a:endParaRPr>
+          </a:p>
+        </p:txBody>
+      </p:sp>
+      <p:sp>
+        <p:nvSpPr>
+          <p:cNvPr id="3" name="Slide Number Placeholder 2"/>
+          <p:cNvSpPr>
+            <a:spLocks noGrp="1"/>
+          </p:cNvSpPr>
+          <p:nvPr>
+            <p:ph type="sldNum" sz="quarter" idx="12"/>
+          </p:nvPr>
+        </p:nvSpPr>
+        <p:spPr/>
+        <p:txBody>
+          <a:bodyPr/>
+          <a:lstStyle/>
+          <a:p>
+            <a:fld id="{10E0464B-FAF3-4C1A-AC04-9C736FADDBEF}" type="slidenum">
+              <a:rPr lang="en-US" smtClean="0"/>
+              <a:t>11</a:t>
+            </a:fld>
+            <a:endParaRPr lang="en-US"/>
+          </a:p>
+        </p:txBody>
+      </p:sp>
+    </p:spTree>
+    <p:extLst>
+      <p:ext uri="{BB962C8B-B14F-4D97-AF65-F5344CB8AC3E}">
+        <p14:creationId xmlns:p14="http://schemas.microsoft.com/office/powerpoint/2010/main" val="2361384849"/>
       </p:ext>
     </p:extLst>
   </p:cSld>
@@ -3944,7 +4863,7 @@
         </p:blipFill>
         <p:spPr>
           <a:xfrm>
-            <a:off x="7816602" y="229693"/>
+            <a:off x="8636734" y="13733"/>
             <a:ext cx="3555266" cy="1010433"/>
           </a:xfrm>
           <a:prstGeom prst="rect">
@@ -3992,7 +4911,7 @@
         <p:spPr>
           <a:xfrm>
             <a:off x="1097280" y="2217106"/>
-            <a:ext cx="10058400" cy="2523768"/>
+            <a:ext cx="11094720" cy="1877437"/>
           </a:xfrm>
           <a:prstGeom prst="rect">
             <a:avLst/>
@@ -4006,7 +4925,7 @@
           <a:lstStyle/>
           <a:p>
             <a:r>
-              <a:rPr lang="en-US" sz="2800" smtClean="0">
+              <a:rPr lang="en-US" sz="2900" smtClean="0">
                 <a:ln w="0"/>
                 <a:solidFill>
                   <a:schemeClr val="accent1"/>
@@ -4022,7 +4941,7 @@
               <a:t>1. </a:t>
             </a:r>
             <a:r>
-              <a:rPr lang="en-US" sz="2800" smtClean="0">
+              <a:rPr lang="en-US" sz="2900" smtClean="0">
                 <a:ln w="0"/>
                 <a:effectLst>
                   <a:outerShdw blurRad="38100" dist="25400" dir="5400000" algn="ctr" rotWithShape="0">
@@ -4032,9 +4951,48 @@
                   </a:outerShdw>
                 </a:effectLst>
               </a:rPr>
-              <a:t>A set of guidelines developers can follow when using version control</a:t>
-            </a:r>
-            <a:endParaRPr lang="en-US" sz="2800" smtClean="0">
+              <a:t>A set of guidelines developers can follow when using </a:t>
+            </a:r>
+            <a:r>
+              <a:rPr lang="en-US" sz="2900" b="1">
+                <a:ln w="0"/>
+                <a:effectLst>
+                  <a:outerShdw blurRad="38100" dist="25400" dir="5400000" algn="ctr" rotWithShape="0">
+                    <a:srgbClr val="6E747A">
+                      <a:alpha val="43000"/>
+                    </a:srgbClr>
+                  </a:outerShdw>
+                </a:effectLst>
+              </a:rPr>
+              <a:t>a</a:t>
+            </a:r>
+            <a:r>
+              <a:rPr lang="en-US" sz="2900" smtClean="0">
+                <a:ln w="0"/>
+                <a:effectLst>
+                  <a:outerShdw blurRad="38100" dist="25400" dir="5400000" algn="ctr" rotWithShape="0">
+                    <a:srgbClr val="6E747A">
+                      <a:alpha val="43000"/>
+                    </a:srgbClr>
+                  </a:outerShdw>
+                </a:effectLst>
+              </a:rPr>
+              <a:t> </a:t>
+            </a:r>
+            <a:r>
+              <a:rPr lang="en-US" sz="2900" b="1" smtClean="0">
+                <a:ln w="0"/>
+                <a:effectLst>
+                  <a:outerShdw blurRad="38100" dist="25400" dir="5400000" algn="ctr" rotWithShape="0">
+                    <a:srgbClr val="6E747A">
+                      <a:alpha val="43000"/>
+                    </a:srgbClr>
+                  </a:outerShdw>
+                </a:effectLst>
+              </a:rPr>
+              <a:t>version control</a:t>
+            </a:r>
+            <a:endParaRPr lang="en-US" sz="2900" b="1" smtClean="0">
               <a:ln w="0"/>
               <a:solidFill>
                 <a:schemeClr val="accent1"/>
@@ -4050,7 +5008,7 @@
           </a:p>
           <a:p>
             <a:r>
-              <a:rPr lang="en-US" sz="2800" smtClean="0">
+              <a:rPr lang="en-US" sz="2900" smtClean="0">
                 <a:ln w="0"/>
                 <a:solidFill>
                   <a:schemeClr val="accent1"/>
@@ -4066,7 +5024,7 @@
               <a:t>2. </a:t>
             </a:r>
             <a:r>
-              <a:rPr lang="en-US" sz="2800" smtClean="0">
+              <a:rPr lang="en-US" sz="2900" smtClean="0">
                 <a:ln w="0"/>
                 <a:effectLst>
                   <a:outerShdw blurRad="38100" dist="25400" dir="5400000" algn="ctr" rotWithShape="0">
@@ -4081,7 +5039,7 @@
           </a:p>
           <a:p>
             <a:r>
-              <a:rPr lang="en-US" sz="2800" smtClean="0">
+              <a:rPr lang="en-US" sz="2900" smtClean="0">
                 <a:ln w="0"/>
                 <a:solidFill>
                   <a:schemeClr val="accent1"/>
@@ -4097,7 +5055,7 @@
               <a:t>3. </a:t>
             </a:r>
             <a:r>
-              <a:rPr lang="en-US" sz="2800" smtClean="0">
+              <a:rPr lang="en-US" sz="2900" smtClean="0">
                 <a:ln w="0"/>
                 <a:effectLst>
                   <a:outerShdw blurRad="38100" dist="25400" dir="5400000" algn="ctr" rotWithShape="0">
@@ -4107,11 +5065,57 @@
                   </a:outerShdw>
                 </a:effectLst>
               </a:rPr>
-              <a:t>Not rules, but guidelines which are not set in stone(to be very difficult or impossible to change)</a:t>
-            </a:r>
-          </a:p>
-          <a:p>
-            <a:endParaRPr lang="en-US" sz="1600"/>
+              <a:t>Not rules, but guidelines which are not set in </a:t>
+            </a:r>
+            <a:r>
+              <a:rPr lang="en-US" sz="2900" smtClean="0">
+                <a:ln w="0"/>
+                <a:effectLst>
+                  <a:outerShdw blurRad="38100" dist="25400" dir="5400000" algn="ctr" rotWithShape="0">
+                    <a:srgbClr val="6E747A">
+                      <a:alpha val="43000"/>
+                    </a:srgbClr>
+                  </a:outerShdw>
+                </a:effectLst>
+              </a:rPr>
+              <a:t>stone</a:t>
+            </a:r>
+            <a:endParaRPr lang="en-US" sz="2900" smtClean="0">
+              <a:ln w="0"/>
+              <a:effectLst>
+                <a:outerShdw blurRad="38100" dist="25400" dir="5400000" algn="ctr" rotWithShape="0">
+                  <a:srgbClr val="6E747A">
+                    <a:alpha val="43000"/>
+                  </a:srgbClr>
+                </a:outerShdw>
+              </a:effectLst>
+            </a:endParaRPr>
+          </a:p>
+          <a:p>
+            <a:endParaRPr lang="en-US" sz="2900"/>
+          </a:p>
+        </p:txBody>
+      </p:sp>
+      <p:sp>
+        <p:nvSpPr>
+          <p:cNvPr id="3" name="Slide Number Placeholder 2"/>
+          <p:cNvSpPr>
+            <a:spLocks noGrp="1"/>
+          </p:cNvSpPr>
+          <p:nvPr>
+            <p:ph type="sldNum" sz="quarter" idx="12"/>
+          </p:nvPr>
+        </p:nvSpPr>
+        <p:spPr/>
+        <p:txBody>
+          <a:bodyPr/>
+          <a:lstStyle/>
+          <a:p>
+            <a:fld id="{10E0464B-FAF3-4C1A-AC04-9C736FADDBEF}" type="slidenum">
+              <a:rPr lang="en-US" smtClean="0"/>
+              <a:t>2</a:t>
+            </a:fld>
+            <a:endParaRPr lang="en-US"/>
           </a:p>
         </p:txBody>
       </p:sp>
@@ -4174,7 +5178,7 @@
         </p:blipFill>
         <p:spPr>
           <a:xfrm>
-            <a:off x="7816602" y="229693"/>
+            <a:off x="8636734" y="1548"/>
             <a:ext cx="3555266" cy="1010433"/>
           </a:xfrm>
           <a:prstGeom prst="rect">
@@ -4222,7 +5226,7 @@
         <p:spPr>
           <a:xfrm>
             <a:off x="1097280" y="1966585"/>
-            <a:ext cx="10058400" cy="3539430"/>
+            <a:ext cx="11094720" cy="2677656"/>
           </a:xfrm>
           <a:prstGeom prst="rect">
             <a:avLst/>
@@ -4418,6 +5422,29 @@
               <a:t>Master branch stores the official release history</a:t>
             </a:r>
             <a:endParaRPr lang="en-US" sz="1600"/>
+          </a:p>
+        </p:txBody>
+      </p:sp>
+      <p:sp>
+        <p:nvSpPr>
+          <p:cNvPr id="3" name="Slide Number Placeholder 2"/>
+          <p:cNvSpPr>
+            <a:spLocks noGrp="1"/>
+          </p:cNvSpPr>
+          <p:nvPr>
+            <p:ph type="sldNum" sz="quarter" idx="12"/>
+          </p:nvPr>
+        </p:nvSpPr>
+        <p:spPr/>
+        <p:txBody>
+          <a:bodyPr/>
+          <a:lstStyle/>
+          <a:p>
+            <a:fld id="{10E0464B-FAF3-4C1A-AC04-9C736FADDBEF}" type="slidenum">
+              <a:rPr lang="en-US" smtClean="0"/>
+              <a:t>3</a:t>
+            </a:fld>
+            <a:endParaRPr lang="en-US"/>
           </a:p>
         </p:txBody>
       </p:sp>
@@ -4458,40 +5485,6 @@
           <a:chExt cx="0" cy="0"/>
         </a:xfrm>
       </p:grpSpPr>
-      <p:sp>
-        <p:nvSpPr>
-          <p:cNvPr id="5" name="Title 4"/>
-          <p:cNvSpPr>
-            <a:spLocks noGrp="1"/>
-          </p:cNvSpPr>
-          <p:nvPr>
-            <p:ph type="title" idx="4294967295"/>
-          </p:nvPr>
-        </p:nvSpPr>
-        <p:spPr>
-          <a:xfrm>
-            <a:off x="1244252" y="185335"/>
-            <a:ext cx="10058400" cy="639762"/>
-          </a:xfrm>
-        </p:spPr>
-        <p:txBody>
-          <a:bodyPr>
-            <a:normAutofit fontScale="90000"/>
-          </a:bodyPr>
-          <a:lstStyle/>
-          <a:p>
-            <a:r>
-              <a:rPr lang="en-US" b="1">
-                <a:solidFill>
-                  <a:srgbClr val="FF0000"/>
-                </a:solidFill>
-              </a:rPr>
-              <a:t>How it works</a:t>
-            </a:r>
-            <a:endParaRPr lang="en-US"/>
-          </a:p>
-        </p:txBody>
-      </p:sp>
       <p:pic>
         <p:nvPicPr>
           <p:cNvPr id="7" name="Picture 6"/>
@@ -4514,7 +5507,7 @@
         </p:blipFill>
         <p:spPr>
           <a:xfrm>
-            <a:off x="8636734" y="0"/>
+            <a:off x="8636734" y="25052"/>
             <a:ext cx="3555266" cy="1010433"/>
           </a:xfrm>
           <a:prstGeom prst="rect">
@@ -4544,18 +5537,41 @@
         </p:blipFill>
         <p:spPr>
           <a:xfrm>
-            <a:off x="1502720" y="713985"/>
-            <a:ext cx="7816643" cy="5627542"/>
+            <a:off x="0" y="45720"/>
+            <a:ext cx="8806605" cy="6273120"/>
           </a:xfrm>
           <a:prstGeom prst="rect">
             <a:avLst/>
           </a:prstGeom>
         </p:spPr>
       </p:pic>
+      <p:sp>
+        <p:nvSpPr>
+          <p:cNvPr id="3" name="Slide Number Placeholder 2"/>
+          <p:cNvSpPr>
+            <a:spLocks noGrp="1"/>
+          </p:cNvSpPr>
+          <p:nvPr>
+            <p:ph type="sldNum" sz="quarter" idx="12"/>
+          </p:nvPr>
+        </p:nvSpPr>
+        <p:spPr/>
+        <p:txBody>
+          <a:bodyPr/>
+          <a:lstStyle/>
+          <a:p>
+            <a:fld id="{10E0464B-FAF3-4C1A-AC04-9C736FADDBEF}" type="slidenum">
+              <a:rPr lang="en-US" smtClean="0"/>
+              <a:t>4</a:t>
+            </a:fld>
+            <a:endParaRPr lang="en-US"/>
+          </a:p>
+        </p:txBody>
+      </p:sp>
     </p:spTree>
     <p:extLst>
       <p:ext uri="{BB962C8B-B14F-4D97-AF65-F5344CB8AC3E}">
-        <p14:creationId xmlns:p14="http://schemas.microsoft.com/office/powerpoint/2010/main" val="4125583712"/>
+        <p14:creationId xmlns:p14="http://schemas.microsoft.com/office/powerpoint/2010/main" val="3700546060"/>
       </p:ext>
     </p:extLst>
   </p:cSld>
@@ -4611,7 +5627,7 @@
         </p:blipFill>
         <p:spPr>
           <a:xfrm>
-            <a:off x="7816602" y="229693"/>
+            <a:off x="8636734" y="13155"/>
             <a:ext cx="3555266" cy="1010433"/>
           </a:xfrm>
           <a:prstGeom prst="rect">
@@ -4640,7 +5656,7 @@
                   <a:srgbClr val="FF0000"/>
                 </a:solidFill>
               </a:rPr>
-              <a:t>Release branches?</a:t>
+              <a:t>Creating a feature</a:t>
             </a:r>
             <a:endParaRPr lang="en-US" b="1">
               <a:solidFill>
@@ -4659,7 +5675,7 @@
         <p:spPr>
           <a:xfrm>
             <a:off x="1097280" y="1781744"/>
-            <a:ext cx="10058400" cy="4247317"/>
+            <a:ext cx="10789920" cy="3000821"/>
           </a:xfrm>
           <a:prstGeom prst="rect">
             <a:avLst/>
@@ -4686,7 +5702,7 @@
                   </a:outerShdw>
                 </a:effectLst>
               </a:rPr>
-              <a:t>1. </a:t>
+              <a:t>1.  </a:t>
             </a:r>
             <a:r>
               <a:rPr lang="en-US" sz="2700" smtClean="0">
@@ -4699,7 +5715,7 @@
                   </a:outerShdw>
                 </a:effectLst>
               </a:rPr>
-              <a:t>Release branches are created by forking the latest copy of “Develop”</a:t>
+              <a:t>PhucCoi needs to start working on a new feature</a:t>
             </a:r>
           </a:p>
           <a:p>
@@ -4717,7 +5733,7 @@
                   </a:outerShdw>
                 </a:effectLst>
               </a:rPr>
-              <a:t>2. </a:t>
+              <a:t>2.  </a:t>
             </a:r>
             <a:r>
               <a:rPr lang="en-US" sz="2700" smtClean="0">
@@ -4730,8 +5746,21 @@
                   </a:outerShdw>
                 </a:effectLst>
               </a:rPr>
-              <a:t>Senior Thiện will create a “Release branch”</a:t>
-            </a:r>
+              <a:t>Pull the latest copy of “develope” branch to his machine</a:t>
+            </a:r>
+            <a:endParaRPr lang="en-US" sz="2700" smtClean="0">
+              <a:ln w="0"/>
+              <a:solidFill>
+                <a:schemeClr val="accent1"/>
+              </a:solidFill>
+              <a:effectLst>
+                <a:outerShdw blurRad="38100" dist="25400" dir="5400000" algn="ctr" rotWithShape="0">
+                  <a:srgbClr val="6E747A">
+                    <a:alpha val="43000"/>
+                  </a:srgbClr>
+                </a:outerShdw>
+              </a:effectLst>
+            </a:endParaRPr>
           </a:p>
           <a:p>
             <a:r>
@@ -4748,7 +5777,7 @@
                   </a:outerShdw>
                 </a:effectLst>
               </a:rPr>
-              <a:t>3. </a:t>
+              <a:t>3.  </a:t>
             </a:r>
             <a:r>
               <a:rPr lang="en-US" sz="2700" smtClean="0">
@@ -4761,8 +5790,21 @@
                   </a:outerShdw>
                 </a:effectLst>
               </a:rPr>
-              <a:t>The “Release branch” will contain a pre-determined amount of features</a:t>
-            </a:r>
+              <a:t>PhucCoi will fork “develop” and create his own “feature” branch</a:t>
+            </a:r>
+            <a:endParaRPr lang="en-US" sz="2700" smtClean="0">
+              <a:ln w="0"/>
+              <a:solidFill>
+                <a:schemeClr val="accent1"/>
+              </a:solidFill>
+              <a:effectLst>
+                <a:outerShdw blurRad="38100" dist="25400" dir="5400000" algn="ctr" rotWithShape="0">
+                  <a:srgbClr val="6E747A">
+                    <a:alpha val="43000"/>
+                  </a:srgbClr>
+                </a:outerShdw>
+              </a:effectLst>
+            </a:endParaRPr>
           </a:p>
           <a:p>
             <a:r>
@@ -4779,7 +5821,20 @@
                   </a:outerShdw>
                 </a:effectLst>
               </a:rPr>
-              <a:t>4. </a:t>
+              <a:t>4.  </a:t>
+            </a:r>
+            <a:r>
+              <a:rPr lang="en-US" sz="2700">
+                <a:ln w="0"/>
+                <a:effectLst>
+                  <a:outerShdw blurRad="38100" dist="25400" dir="5400000" algn="ctr" rotWithShape="0">
+                    <a:srgbClr val="6E747A">
+                      <a:alpha val="43000"/>
+                    </a:srgbClr>
+                  </a:outerShdw>
+                </a:effectLst>
+              </a:rPr>
+              <a:t>PhucCoi will then begin work on his feature in his feature branch and </a:t>
             </a:r>
             <a:r>
               <a:rPr lang="en-US" sz="2700" smtClean="0">
@@ -4792,8 +5847,21 @@
                   </a:outerShdw>
                 </a:effectLst>
               </a:rPr>
-              <a:t>The “Release branch” should be deployed to Staging sever for QA testing (Quality Assurance) </a:t>
-            </a:r>
+              <a:t>he will commit his work to this “feature branch”</a:t>
+            </a:r>
+            <a:endParaRPr lang="en-US" sz="2700" smtClean="0">
+              <a:ln w="0"/>
+              <a:solidFill>
+                <a:schemeClr val="accent1"/>
+              </a:solidFill>
+              <a:effectLst>
+                <a:outerShdw blurRad="38100" dist="25400" dir="5400000" algn="ctr" rotWithShape="0">
+                  <a:srgbClr val="6E747A">
+                    <a:alpha val="43000"/>
+                  </a:srgbClr>
+                </a:outerShdw>
+              </a:effectLst>
+            </a:endParaRPr>
           </a:p>
           <a:p>
             <a:r>
@@ -4810,7 +5878,7 @@
                   </a:outerShdw>
                 </a:effectLst>
               </a:rPr>
-              <a:t>5. </a:t>
+              <a:t>5.  </a:t>
             </a:r>
             <a:r>
               <a:rPr lang="en-US" sz="2700" smtClean="0">
@@ -4823,70 +5891,31 @@
                   </a:outerShdw>
                 </a:effectLst>
               </a:rPr>
-              <a:t>Any bugs, needs to be addressed on the “release branch”</a:t>
-            </a:r>
-          </a:p>
-          <a:p>
-            <a:r>
-              <a:rPr lang="en-US" sz="2700" smtClean="0">
-                <a:ln w="0"/>
-                <a:solidFill>
-                  <a:schemeClr val="accent1"/>
-                </a:solidFill>
-                <a:effectLst>
-                  <a:outerShdw blurRad="38100" dist="25400" dir="5400000" algn="ctr" rotWithShape="0">
-                    <a:srgbClr val="6E747A">
-                      <a:alpha val="43000"/>
-                    </a:srgbClr>
-                  </a:outerShdw>
-                </a:effectLst>
-              </a:rPr>
-              <a:t>6. </a:t>
-            </a:r>
-            <a:r>
-              <a:rPr lang="en-US" sz="2700" smtClean="0">
-                <a:ln w="0"/>
-                <a:effectLst>
-                  <a:outerShdw blurRad="38100" dist="25400" dir="5400000" algn="ctr" rotWithShape="0">
-                    <a:srgbClr val="6E747A">
-                      <a:alpha val="43000"/>
-                    </a:srgbClr>
-                  </a:outerShdw>
-                </a:effectLst>
-              </a:rPr>
-              <a:t>The “release branch” will have to be merged back into “develop” as well as “master”</a:t>
-            </a:r>
-          </a:p>
-          <a:p>
-            <a:r>
-              <a:rPr lang="en-US" sz="2700" smtClean="0">
-                <a:ln w="0"/>
-                <a:solidFill>
-                  <a:schemeClr val="accent1"/>
-                </a:solidFill>
-                <a:effectLst>
-                  <a:outerShdw blurRad="38100" dist="25400" dir="5400000" algn="ctr" rotWithShape="0">
-                    <a:srgbClr val="6E747A">
-                      <a:alpha val="43000"/>
-                    </a:srgbClr>
-                  </a:outerShdw>
-                </a:effectLst>
-              </a:rPr>
-              <a:t>7. </a:t>
-            </a:r>
-            <a:r>
-              <a:rPr lang="en-US" sz="2700" smtClean="0">
-                <a:ln w="0"/>
-                <a:effectLst>
-                  <a:outerShdw blurRad="38100" dist="25400" dir="5400000" algn="ctr" rotWithShape="0">
-                    <a:srgbClr val="6E747A">
-                      <a:alpha val="43000"/>
-                    </a:srgbClr>
-                  </a:outerShdw>
-                </a:effectLst>
-              </a:rPr>
-              <a:t>You should then tag “master” with a version number</a:t>
-            </a:r>
+              <a:t>Once PhucCoi has completed this feature branch and he has tested a code. He pull the latest copy of “develope” and merge into “develope”</a:t>
+            </a:r>
+          </a:p>
+        </p:txBody>
+      </p:sp>
+      <p:sp>
+        <p:nvSpPr>
+          <p:cNvPr id="3" name="Slide Number Placeholder 2"/>
+          <p:cNvSpPr>
+            <a:spLocks noGrp="1"/>
+          </p:cNvSpPr>
+          <p:nvPr>
+            <p:ph type="sldNum" sz="quarter" idx="12"/>
+          </p:nvPr>
+        </p:nvSpPr>
+        <p:spPr/>
+        <p:txBody>
+          <a:bodyPr/>
+          <a:lstStyle/>
+          <a:p>
+            <a:fld id="{10E0464B-FAF3-4C1A-AC04-9C736FADDBEF}" type="slidenum">
+              <a:rPr lang="en-US" smtClean="0"/>
+              <a:t>5</a:t>
+            </a:fld>
+            <a:endParaRPr lang="en-US"/>
           </a:p>
         </p:txBody>
       </p:sp>
@@ -4927,40 +5956,6 @@
           <a:chExt cx="0" cy="0"/>
         </a:xfrm>
       </p:grpSpPr>
-      <p:sp>
-        <p:nvSpPr>
-          <p:cNvPr id="5" name="Title 4"/>
-          <p:cNvSpPr>
-            <a:spLocks noGrp="1"/>
-          </p:cNvSpPr>
-          <p:nvPr>
-            <p:ph type="title" idx="4294967295"/>
-          </p:nvPr>
-        </p:nvSpPr>
-        <p:spPr>
-          <a:xfrm>
-            <a:off x="1244252" y="185335"/>
-            <a:ext cx="10058400" cy="639762"/>
-          </a:xfrm>
-        </p:spPr>
-        <p:txBody>
-          <a:bodyPr>
-            <a:normAutofit fontScale="90000"/>
-          </a:bodyPr>
-          <a:lstStyle/>
-          <a:p>
-            <a:r>
-              <a:rPr lang="en-US" b="1">
-                <a:solidFill>
-                  <a:srgbClr val="FF0000"/>
-                </a:solidFill>
-              </a:rPr>
-              <a:t>How it works</a:t>
-            </a:r>
-            <a:endParaRPr lang="en-US"/>
-          </a:p>
-        </p:txBody>
-      </p:sp>
       <p:pic>
         <p:nvPicPr>
           <p:cNvPr id="7" name="Picture 6"/>
@@ -5013,18 +6008,41 @@
         </p:blipFill>
         <p:spPr>
           <a:xfrm>
-            <a:off x="1502720" y="713985"/>
-            <a:ext cx="7816643" cy="5627542"/>
+            <a:off x="0" y="45720"/>
+            <a:ext cx="8806605" cy="6273120"/>
           </a:xfrm>
           <a:prstGeom prst="rect">
             <a:avLst/>
           </a:prstGeom>
         </p:spPr>
       </p:pic>
+      <p:sp>
+        <p:nvSpPr>
+          <p:cNvPr id="3" name="Slide Number Placeholder 2"/>
+          <p:cNvSpPr>
+            <a:spLocks noGrp="1"/>
+          </p:cNvSpPr>
+          <p:nvPr>
+            <p:ph type="sldNum" sz="quarter" idx="12"/>
+          </p:nvPr>
+        </p:nvSpPr>
+        <p:spPr/>
+        <p:txBody>
+          <a:bodyPr/>
+          <a:lstStyle/>
+          <a:p>
+            <a:fld id="{10E0464B-FAF3-4C1A-AC04-9C736FADDBEF}" type="slidenum">
+              <a:rPr lang="en-US" smtClean="0"/>
+              <a:t>6</a:t>
+            </a:fld>
+            <a:endParaRPr lang="en-US"/>
+          </a:p>
+        </p:txBody>
+      </p:sp>
     </p:spTree>
     <p:extLst>
       <p:ext uri="{BB962C8B-B14F-4D97-AF65-F5344CB8AC3E}">
-        <p14:creationId xmlns:p14="http://schemas.microsoft.com/office/powerpoint/2010/main" val="863470980"/>
+        <p14:creationId xmlns:p14="http://schemas.microsoft.com/office/powerpoint/2010/main" val="9779857"/>
       </p:ext>
     </p:extLst>
   </p:cSld>
@@ -5080,7 +6098,7 @@
         </p:blipFill>
         <p:spPr>
           <a:xfrm>
-            <a:off x="7816602" y="229693"/>
+            <a:off x="8636734" y="13155"/>
             <a:ext cx="3555266" cy="1010433"/>
           </a:xfrm>
           <a:prstGeom prst="rect">
@@ -5109,9 +6127,13 @@
                   <a:srgbClr val="FF0000"/>
                 </a:solidFill>
               </a:rPr>
-              <a:t>Managing Hotfixes?</a:t>
-            </a:r>
-            <a:endParaRPr lang="en-US" b="1"/>
+              <a:t>Release branches?</a:t>
+            </a:r>
+            <a:endParaRPr lang="en-US" b="1">
+              <a:solidFill>
+                <a:srgbClr val="FF0000"/>
+              </a:solidFill>
+            </a:endParaRPr>
           </a:p>
         </p:txBody>
       </p:sp>
@@ -5123,8 +6145,8 @@
         </p:nvSpPr>
         <p:spPr>
           <a:xfrm>
-            <a:off x="1097280" y="2217106"/>
-            <a:ext cx="10058400" cy="2954655"/>
+            <a:off x="1097280" y="1781744"/>
+            <a:ext cx="10835640" cy="3000821"/>
           </a:xfrm>
           <a:prstGeom prst="rect">
             <a:avLst/>
@@ -5138,7 +6160,7 @@
           <a:lstStyle/>
           <a:p>
             <a:r>
-              <a:rPr lang="en-US" sz="2800" smtClean="0">
+              <a:rPr lang="en-US" sz="2700" smtClean="0">
                 <a:ln w="0"/>
                 <a:solidFill>
                   <a:schemeClr val="accent1"/>
@@ -5151,10 +6173,10 @@
                   </a:outerShdw>
                 </a:effectLst>
               </a:rPr>
-              <a:t>1.	</a:t>
-            </a:r>
-            <a:r>
-              <a:rPr lang="en-US" sz="2800" smtClean="0">
+              <a:t>1. </a:t>
+            </a:r>
+            <a:r>
+              <a:rPr lang="en-US" sz="2700" smtClean="0">
                 <a:ln w="0"/>
                 <a:effectLst>
                   <a:outerShdw blurRad="38100" dist="25400" dir="5400000" algn="ctr" rotWithShape="0">
@@ -5164,12 +6186,12 @@
                   </a:outerShdw>
                 </a:effectLst>
               </a:rPr>
-              <a:t>Hotfixes are defined as minor fixes to the project</a:t>
-            </a:r>
-          </a:p>
-          <a:p>
-            <a:r>
-              <a:rPr lang="en-US" sz="2800" smtClean="0">
+              <a:t>Release branches are created by forking the latest copy of “Develop”</a:t>
+            </a:r>
+          </a:p>
+          <a:p>
+            <a:r>
+              <a:rPr lang="en-US" sz="2700" smtClean="0">
                 <a:ln w="0"/>
                 <a:solidFill>
                   <a:schemeClr val="accent1"/>
@@ -5182,10 +6204,10 @@
                   </a:outerShdw>
                 </a:effectLst>
               </a:rPr>
-              <a:t>2.	</a:t>
-            </a:r>
-            <a:r>
-              <a:rPr lang="en-US" sz="2800" smtClean="0">
+              <a:t>2. </a:t>
+            </a:r>
+            <a:r>
+              <a:rPr lang="en-US" sz="2700" smtClean="0">
                 <a:ln w="0"/>
                 <a:effectLst>
                   <a:outerShdw blurRad="38100" dist="25400" dir="5400000" algn="ctr" rotWithShape="0">
@@ -5195,12 +6217,12 @@
                   </a:outerShdw>
                 </a:effectLst>
               </a:rPr>
-              <a:t>Fork of “master” to create a new “hotfix” branch</a:t>
-            </a:r>
-          </a:p>
-          <a:p>
-            <a:r>
-              <a:rPr lang="en-US" sz="2800" smtClean="0">
+              <a:t>Senior Thiện will create a “Release branch”</a:t>
+            </a:r>
+          </a:p>
+          <a:p>
+            <a:r>
+              <a:rPr lang="en-US" sz="2700" smtClean="0">
                 <a:ln w="0"/>
                 <a:solidFill>
                   <a:schemeClr val="accent1"/>
@@ -5213,10 +6235,10 @@
                   </a:outerShdw>
                 </a:effectLst>
               </a:rPr>
-              <a:t>3.	</a:t>
-            </a:r>
-            <a:r>
-              <a:rPr lang="en-US" sz="2800" smtClean="0">
+              <a:t>3. </a:t>
+            </a:r>
+            <a:r>
+              <a:rPr lang="en-US" sz="2700" smtClean="0">
                 <a:ln w="0"/>
                 <a:effectLst>
                   <a:outerShdw blurRad="38100" dist="25400" dir="5400000" algn="ctr" rotWithShape="0">
@@ -5226,12 +6248,12 @@
                   </a:outerShdw>
                 </a:effectLst>
               </a:rPr>
-              <a:t>Commit code to the “hotfix” branch</a:t>
-            </a:r>
-          </a:p>
-          <a:p>
-            <a:r>
-              <a:rPr lang="en-US" sz="2800" smtClean="0">
+              <a:t>The “Release branch” will contain a pre-determined amount of features</a:t>
+            </a:r>
+          </a:p>
+          <a:p>
+            <a:r>
+              <a:rPr lang="en-US" sz="2700" smtClean="0">
                 <a:ln w="0"/>
                 <a:solidFill>
                   <a:schemeClr val="accent1"/>
@@ -5244,10 +6266,10 @@
                   </a:outerShdw>
                 </a:effectLst>
               </a:rPr>
-              <a:t>4.	</a:t>
-            </a:r>
-            <a:r>
-              <a:rPr lang="en-US" sz="2800" smtClean="0">
+              <a:t>4. </a:t>
+            </a:r>
+            <a:r>
+              <a:rPr lang="en-US" sz="2700" smtClean="0">
                 <a:ln w="0"/>
                 <a:effectLst>
                   <a:outerShdw blurRad="38100" dist="25400" dir="5400000" algn="ctr" rotWithShape="0">
@@ -5257,12 +6279,12 @@
                   </a:outerShdw>
                 </a:effectLst>
               </a:rPr>
-              <a:t>The “hotfix” branch, once tested, must be merged into “master” and “develop”</a:t>
-            </a:r>
-          </a:p>
-          <a:p>
-            <a:r>
-              <a:rPr lang="en-US" sz="2800" smtClean="0">
+              <a:t>Any bugs, needs to be addressed on the “release branch”</a:t>
+            </a:r>
+          </a:p>
+          <a:p>
+            <a:r>
+              <a:rPr lang="en-US" sz="2700" smtClean="0">
                 <a:ln w="0"/>
                 <a:solidFill>
                   <a:schemeClr val="accent1"/>
@@ -5275,10 +6297,10 @@
                   </a:outerShdw>
                 </a:effectLst>
               </a:rPr>
-              <a:t>5.	</a:t>
-            </a:r>
-            <a:r>
-              <a:rPr lang="en-US" sz="2800" smtClean="0">
+              <a:t>5. </a:t>
+            </a:r>
+            <a:r>
+              <a:rPr lang="en-US" sz="2700" smtClean="0">
                 <a:ln w="0"/>
                 <a:effectLst>
                   <a:outerShdw blurRad="38100" dist="25400" dir="5400000" algn="ctr" rotWithShape="0">
@@ -5288,10 +6310,61 @@
                   </a:outerShdw>
                 </a:effectLst>
               </a:rPr>
-              <a:t>The “master” branch should be tagged again and deployed</a:t>
-            </a:r>
-          </a:p>
-          <a:p>
+              <a:t>The “release branch” will have to be merged back into “develop” as well as “master”</a:t>
+            </a:r>
+          </a:p>
+          <a:p>
+            <a:r>
+              <a:rPr lang="en-US" sz="2700" smtClean="0">
+                <a:ln w="0"/>
+                <a:solidFill>
+                  <a:schemeClr val="accent1"/>
+                </a:solidFill>
+                <a:effectLst>
+                  <a:outerShdw blurRad="38100" dist="25400" dir="5400000" algn="ctr" rotWithShape="0">
+                    <a:srgbClr val="6E747A">
+                      <a:alpha val="43000"/>
+                    </a:srgbClr>
+                  </a:outerShdw>
+                </a:effectLst>
+              </a:rPr>
+              <a:t>6. </a:t>
+            </a:r>
+            <a:r>
+              <a:rPr lang="en-US" sz="2700" smtClean="0">
+                <a:ln w="0"/>
+                <a:effectLst>
+                  <a:outerShdw blurRad="38100" dist="25400" dir="5400000" algn="ctr" rotWithShape="0">
+                    <a:srgbClr val="6E747A">
+                      <a:alpha val="43000"/>
+                    </a:srgbClr>
+                  </a:outerShdw>
+                </a:effectLst>
+              </a:rPr>
+              <a:t>You should then tag “master” with a version number</a:t>
+            </a:r>
+          </a:p>
+        </p:txBody>
+      </p:sp>
+      <p:sp>
+        <p:nvSpPr>
+          <p:cNvPr id="3" name="Slide Number Placeholder 2"/>
+          <p:cNvSpPr>
+            <a:spLocks noGrp="1"/>
+          </p:cNvSpPr>
+          <p:nvPr>
+            <p:ph type="sldNum" sz="quarter" idx="12"/>
+          </p:nvPr>
+        </p:nvSpPr>
+        <p:spPr/>
+        <p:txBody>
+          <a:bodyPr/>
+          <a:lstStyle/>
+          <a:p>
+            <a:fld id="{10E0464B-FAF3-4C1A-AC04-9C736FADDBEF}" type="slidenum">
+              <a:rPr lang="en-US" smtClean="0"/>
+              <a:t>7</a:t>
+            </a:fld>
             <a:endParaRPr lang="en-US"/>
           </a:p>
         </p:txBody>
@@ -5299,7 +6372,7 @@
     </p:spTree>
     <p:extLst>
       <p:ext uri="{BB962C8B-B14F-4D97-AF65-F5344CB8AC3E}">
-        <p14:creationId xmlns:p14="http://schemas.microsoft.com/office/powerpoint/2010/main" val="3115653283"/>
+        <p14:creationId xmlns:p14="http://schemas.microsoft.com/office/powerpoint/2010/main" val="1429763756"/>
       </p:ext>
     </p:extLst>
   </p:cSld>
@@ -5333,40 +6406,6 @@
           <a:chExt cx="0" cy="0"/>
         </a:xfrm>
       </p:grpSpPr>
-      <p:sp>
-        <p:nvSpPr>
-          <p:cNvPr id="5" name="Title 4"/>
-          <p:cNvSpPr>
-            <a:spLocks noGrp="1"/>
-          </p:cNvSpPr>
-          <p:nvPr>
-            <p:ph type="title" idx="4294967295"/>
-          </p:nvPr>
-        </p:nvSpPr>
-        <p:spPr>
-          <a:xfrm>
-            <a:off x="1244252" y="185335"/>
-            <a:ext cx="10058400" cy="639762"/>
-          </a:xfrm>
-        </p:spPr>
-        <p:txBody>
-          <a:bodyPr>
-            <a:normAutofit fontScale="90000"/>
-          </a:bodyPr>
-          <a:lstStyle/>
-          <a:p>
-            <a:r>
-              <a:rPr lang="en-US" b="1">
-                <a:solidFill>
-                  <a:srgbClr val="FF0000"/>
-                </a:solidFill>
-              </a:rPr>
-              <a:t>How it works</a:t>
-            </a:r>
-            <a:endParaRPr lang="en-US"/>
-          </a:p>
-        </p:txBody>
-      </p:sp>
       <p:pic>
         <p:nvPicPr>
           <p:cNvPr id="7" name="Picture 6"/>
@@ -5419,18 +6458,41 @@
         </p:blipFill>
         <p:spPr>
           <a:xfrm>
-            <a:off x="1502720" y="713985"/>
-            <a:ext cx="7816643" cy="5627542"/>
+            <a:off x="0" y="45720"/>
+            <a:ext cx="8806605" cy="6273120"/>
           </a:xfrm>
           <a:prstGeom prst="rect">
             <a:avLst/>
           </a:prstGeom>
         </p:spPr>
       </p:pic>
+      <p:sp>
+        <p:nvSpPr>
+          <p:cNvPr id="3" name="Slide Number Placeholder 2"/>
+          <p:cNvSpPr>
+            <a:spLocks noGrp="1"/>
+          </p:cNvSpPr>
+          <p:nvPr>
+            <p:ph type="sldNum" sz="quarter" idx="12"/>
+          </p:nvPr>
+        </p:nvSpPr>
+        <p:spPr/>
+        <p:txBody>
+          <a:bodyPr/>
+          <a:lstStyle/>
+          <a:p>
+            <a:fld id="{10E0464B-FAF3-4C1A-AC04-9C736FADDBEF}" type="slidenum">
+              <a:rPr lang="en-US" smtClean="0"/>
+              <a:t>8</a:t>
+            </a:fld>
+            <a:endParaRPr lang="en-US"/>
+          </a:p>
+        </p:txBody>
+      </p:sp>
     </p:spTree>
     <p:extLst>
       <p:ext uri="{BB962C8B-B14F-4D97-AF65-F5344CB8AC3E}">
-        <p14:creationId xmlns:p14="http://schemas.microsoft.com/office/powerpoint/2010/main" val="2078382537"/>
+        <p14:creationId xmlns:p14="http://schemas.microsoft.com/office/powerpoint/2010/main" val="863470980"/>
       </p:ext>
     </p:extLst>
   </p:cSld>
@@ -5486,7 +6548,7 @@
         </p:blipFill>
         <p:spPr>
           <a:xfrm>
-            <a:off x="7816602" y="229693"/>
+            <a:off x="8636734" y="1548"/>
             <a:ext cx="3555266" cy="1010433"/>
           </a:xfrm>
           <a:prstGeom prst="rect">
@@ -5501,41 +6563,234 @@
             <a:spLocks noGrp="1"/>
           </p:cNvSpPr>
           <p:nvPr>
-            <p:ph type="title" idx="4294967295"/>
-          </p:nvPr>
-        </p:nvSpPr>
-        <p:spPr>
-          <a:xfrm>
-            <a:off x="2584537" y="2265494"/>
-            <a:ext cx="10058400" cy="1450975"/>
-          </a:xfrm>
-        </p:spPr>
-        <p:txBody>
-          <a:bodyPr>
-            <a:normAutofit/>
-          </a:bodyPr>
+            <p:ph type="title"/>
+          </p:nvPr>
+        </p:nvSpPr>
+        <p:spPr/>
+        <p:txBody>
+          <a:bodyPr/>
           <a:lstStyle/>
           <a:p>
             <a:r>
-              <a:rPr lang="en-US" sz="6000" b="1" smtClean="0">
+              <a:rPr lang="en-US" b="1" smtClean="0">
                 <a:solidFill>
                   <a:srgbClr val="FF0000"/>
                 </a:solidFill>
               </a:rPr>
-              <a:t>Demo on SourceTree</a:t>
-            </a:r>
-            <a:endParaRPr lang="en-US" sz="6000" b="1">
-              <a:solidFill>
-                <a:srgbClr val="FF0000"/>
-              </a:solidFill>
-            </a:endParaRPr>
+              <a:t>Managing Hotfixes?</a:t>
+            </a:r>
+            <a:endParaRPr lang="en-US" b="1"/>
+          </a:p>
+        </p:txBody>
+      </p:sp>
+      <p:sp>
+        <p:nvSpPr>
+          <p:cNvPr id="6" name="TextBox 5"/>
+          <p:cNvSpPr txBox="1"/>
+          <p:nvPr/>
+        </p:nvSpPr>
+        <p:spPr>
+          <a:xfrm>
+            <a:off x="1097280" y="2217106"/>
+            <a:ext cx="10584180" cy="2954655"/>
+          </a:xfrm>
+          <a:prstGeom prst="rect">
+            <a:avLst/>
+          </a:prstGeom>
+          <a:noFill/>
+        </p:spPr>
+        <p:txBody>
+          <a:bodyPr wrap="square" rtlCol="0">
+            <a:spAutoFit/>
+          </a:bodyPr>
+          <a:lstStyle/>
+          <a:p>
+            <a:r>
+              <a:rPr lang="en-US" sz="2800" smtClean="0">
+                <a:ln w="0"/>
+                <a:solidFill>
+                  <a:schemeClr val="accent1"/>
+                </a:solidFill>
+                <a:effectLst>
+                  <a:outerShdw blurRad="38100" dist="25400" dir="5400000" algn="ctr" rotWithShape="0">
+                    <a:srgbClr val="6E747A">
+                      <a:alpha val="43000"/>
+                    </a:srgbClr>
+                  </a:outerShdw>
+                </a:effectLst>
+              </a:rPr>
+              <a:t>1.  </a:t>
+            </a:r>
+            <a:r>
+              <a:rPr lang="en-US" sz="2800" smtClean="0">
+                <a:ln w="0"/>
+                <a:effectLst>
+                  <a:outerShdw blurRad="38100" dist="25400" dir="5400000" algn="ctr" rotWithShape="0">
+                    <a:srgbClr val="6E747A">
+                      <a:alpha val="43000"/>
+                    </a:srgbClr>
+                  </a:outerShdw>
+                </a:effectLst>
+              </a:rPr>
+              <a:t>Hotfixes are defined as minor fixes to the project</a:t>
+            </a:r>
+          </a:p>
+          <a:p>
+            <a:r>
+              <a:rPr lang="en-US" sz="2800" smtClean="0">
+                <a:ln w="0"/>
+                <a:solidFill>
+                  <a:schemeClr val="accent1"/>
+                </a:solidFill>
+                <a:effectLst>
+                  <a:outerShdw blurRad="38100" dist="25400" dir="5400000" algn="ctr" rotWithShape="0">
+                    <a:srgbClr val="6E747A">
+                      <a:alpha val="43000"/>
+                    </a:srgbClr>
+                  </a:outerShdw>
+                </a:effectLst>
+              </a:rPr>
+              <a:t>2.  </a:t>
+            </a:r>
+            <a:r>
+              <a:rPr lang="en-US" sz="2800" smtClean="0">
+                <a:ln w="0"/>
+                <a:effectLst>
+                  <a:outerShdw blurRad="38100" dist="25400" dir="5400000" algn="ctr" rotWithShape="0">
+                    <a:srgbClr val="6E747A">
+                      <a:alpha val="43000"/>
+                    </a:srgbClr>
+                  </a:outerShdw>
+                </a:effectLst>
+              </a:rPr>
+              <a:t>Fork of “master” to create a new “hotfix” branch</a:t>
+            </a:r>
+          </a:p>
+          <a:p>
+            <a:r>
+              <a:rPr lang="en-US" sz="2800" smtClean="0">
+                <a:ln w="0"/>
+                <a:solidFill>
+                  <a:schemeClr val="accent1"/>
+                </a:solidFill>
+                <a:effectLst>
+                  <a:outerShdw blurRad="38100" dist="25400" dir="5400000" algn="ctr" rotWithShape="0">
+                    <a:srgbClr val="6E747A">
+                      <a:alpha val="43000"/>
+                    </a:srgbClr>
+                  </a:outerShdw>
+                </a:effectLst>
+              </a:rPr>
+              <a:t>3.  </a:t>
+            </a:r>
+            <a:r>
+              <a:rPr lang="en-US" sz="2800" smtClean="0">
+                <a:ln w="0"/>
+                <a:effectLst>
+                  <a:outerShdw blurRad="38100" dist="25400" dir="5400000" algn="ctr" rotWithShape="0">
+                    <a:srgbClr val="6E747A">
+                      <a:alpha val="43000"/>
+                    </a:srgbClr>
+                  </a:outerShdw>
+                </a:effectLst>
+              </a:rPr>
+              <a:t>Commit code to the “hotfix” branch</a:t>
+            </a:r>
+          </a:p>
+          <a:p>
+            <a:r>
+              <a:rPr lang="en-US" sz="2800" smtClean="0">
+                <a:ln w="0"/>
+                <a:solidFill>
+                  <a:schemeClr val="accent1"/>
+                </a:solidFill>
+                <a:effectLst>
+                  <a:outerShdw blurRad="38100" dist="25400" dir="5400000" algn="ctr" rotWithShape="0">
+                    <a:srgbClr val="6E747A">
+                      <a:alpha val="43000"/>
+                    </a:srgbClr>
+                  </a:outerShdw>
+                </a:effectLst>
+              </a:rPr>
+              <a:t>4.  </a:t>
+            </a:r>
+            <a:r>
+              <a:rPr lang="en-US" sz="2800" smtClean="0">
+                <a:ln w="0"/>
+                <a:effectLst>
+                  <a:outerShdw blurRad="38100" dist="25400" dir="5400000" algn="ctr" rotWithShape="0">
+                    <a:srgbClr val="6E747A">
+                      <a:alpha val="43000"/>
+                    </a:srgbClr>
+                  </a:outerShdw>
+                </a:effectLst>
+              </a:rPr>
+              <a:t>The “hotfix” branch, once tested, must be merged into “master” and “develop”</a:t>
+            </a:r>
+          </a:p>
+          <a:p>
+            <a:r>
+              <a:rPr lang="en-US" sz="2800" smtClean="0">
+                <a:ln w="0"/>
+                <a:solidFill>
+                  <a:schemeClr val="accent1"/>
+                </a:solidFill>
+                <a:effectLst>
+                  <a:outerShdw blurRad="38100" dist="25400" dir="5400000" algn="ctr" rotWithShape="0">
+                    <a:srgbClr val="6E747A">
+                      <a:alpha val="43000"/>
+                    </a:srgbClr>
+                  </a:outerShdw>
+                </a:effectLst>
+              </a:rPr>
+              <a:t>5.  </a:t>
+            </a:r>
+            <a:r>
+              <a:rPr lang="en-US" sz="2800" smtClean="0">
+                <a:ln w="0"/>
+                <a:effectLst>
+                  <a:outerShdw blurRad="38100" dist="25400" dir="5400000" algn="ctr" rotWithShape="0">
+                    <a:srgbClr val="6E747A">
+                      <a:alpha val="43000"/>
+                    </a:srgbClr>
+                  </a:outerShdw>
+                </a:effectLst>
+              </a:rPr>
+              <a:t>The “master” branch should be tagged again and deployed</a:t>
+            </a:r>
+          </a:p>
+          <a:p>
+            <a:endParaRPr lang="en-US"/>
+          </a:p>
+        </p:txBody>
+      </p:sp>
+      <p:sp>
+        <p:nvSpPr>
+          <p:cNvPr id="3" name="Slide Number Placeholder 2"/>
+          <p:cNvSpPr>
+            <a:spLocks noGrp="1"/>
+          </p:cNvSpPr>
+          <p:nvPr>
+            <p:ph type="sldNum" sz="quarter" idx="12"/>
+          </p:nvPr>
+        </p:nvSpPr>
+        <p:spPr/>
+        <p:txBody>
+          <a:bodyPr/>
+          <a:lstStyle/>
+          <a:p>
+            <a:fld id="{10E0464B-FAF3-4C1A-AC04-9C736FADDBEF}" type="slidenum">
+              <a:rPr lang="en-US" smtClean="0"/>
+              <a:t>9</a:t>
+            </a:fld>
+            <a:endParaRPr lang="en-US"/>
           </a:p>
         </p:txBody>
       </p:sp>
     </p:spTree>
     <p:extLst>
       <p:ext uri="{BB962C8B-B14F-4D97-AF65-F5344CB8AC3E}">
-        <p14:creationId xmlns:p14="http://schemas.microsoft.com/office/powerpoint/2010/main" val="2361384849"/>
+        <p14:creationId xmlns:p14="http://schemas.microsoft.com/office/powerpoint/2010/main" val="3115653283"/>
       </p:ext>
     </p:extLst>
   </p:cSld>
@@ -5833,4 +7088,526 @@
     </a:ext>
   </a:extLst>
 </a:theme>
+</file>
+
+<file path=ppt/theme/theme2.xml><?xml version="1.0" encoding="utf-8"?>
+<a:theme xmlns:a="http://schemas.openxmlformats.org/drawingml/2006/main" name="Office Theme">
+  <a:themeElements>
+    <a:clrScheme name="Office">
+      <a:dk1>
+        <a:sysClr val="windowText" lastClr="000000"/>
+      </a:dk1>
+      <a:lt1>
+        <a:sysClr val="window" lastClr="FFFFFF"/>
+      </a:lt1>
+      <a:dk2>
+        <a:srgbClr val="44546A"/>
+      </a:dk2>
+      <a:lt2>
+        <a:srgbClr val="E7E6E6"/>
+      </a:lt2>
+      <a:accent1>
+        <a:srgbClr val="5B9BD5"/>
+      </a:accent1>
+      <a:accent2>
+        <a:srgbClr val="ED7D31"/>
+      </a:accent2>
+      <a:accent3>
+        <a:srgbClr val="A5A5A5"/>
+      </a:accent3>
+      <a:accent4>
+        <a:srgbClr val="FFC000"/>
+      </a:accent4>
+      <a:accent5>
+        <a:srgbClr val="4472C4"/>
+      </a:accent5>
+      <a:accent6>
+        <a:srgbClr val="70AD47"/>
+      </a:accent6>
+      <a:hlink>
+        <a:srgbClr val="0563C1"/>
+      </a:hlink>
+      <a:folHlink>
+        <a:srgbClr val="954F72"/>
+      </a:folHlink>
+    </a:clrScheme>
+    <a:fontScheme name="Office">
+      <a:majorFont>
+        <a:latin typeface="Calibri Light" panose="020F0302020204030204"/>
+        <a:ea typeface=""/>
+        <a:cs typeface=""/>
+        <a:font script="Jpan" typeface="ＭＳ Ｐゴシック"/>
+        <a:font script="Hang" typeface="맑은 고딕"/>
+        <a:font script="Hans" typeface="宋体"/>
+        <a:font script="Hant" typeface="新細明體"/>
+        <a:font script="Arab" typeface="Times New Roman"/>
+        <a:font script="Hebr" typeface="Times New Roman"/>
+        <a:font script="Thai" typeface="Angsana New"/>
+        <a:font script="Ethi" typeface="Nyala"/>
+        <a:font script="Beng" typeface="Vrinda"/>
+        <a:font script="Gujr" typeface="Shruti"/>
+        <a:font script="Khmr" typeface="MoolBoran"/>
+        <a:font script="Knda" typeface="Tunga"/>
+        <a:font script="Guru" typeface="Raavi"/>
+        <a:font script="Cans" typeface="Euphemia"/>
+        <a:font script="Cher" typeface="Plantagenet Cherokee"/>
+        <a:font script="Yiii" typeface="Microsoft Yi Baiti"/>
+        <a:font script="Tibt" typeface="Microsoft Himalaya"/>
+        <a:font script="Thaa" typeface="MV Boli"/>
+        <a:font script="Deva" typeface="Mangal"/>
+        <a:font script="Telu" typeface="Gautami"/>
+        <a:font script="Taml" typeface="Latha"/>
+        <a:font script="Syrc" typeface="Estrangelo Edessa"/>
+        <a:font script="Orya" typeface="Kalinga"/>
+        <a:font script="Mlym" typeface="Kartika"/>
+        <a:font script="Laoo" typeface="DokChampa"/>
+        <a:font script="Sinh" typeface="Iskoola Pota"/>
+        <a:font script="Mong" typeface="Mongolian Baiti"/>
+        <a:font script="Viet" typeface="Times New Roman"/>
+        <a:font script="Uigh" typeface="Microsoft Uighur"/>
+        <a:font script="Geor" typeface="Sylfaen"/>
+      </a:majorFont>
+      <a:minorFont>
+        <a:latin typeface="Calibri" panose="020F0502020204030204"/>
+        <a:ea typeface=""/>
+        <a:cs typeface=""/>
+        <a:font script="Jpan" typeface="ＭＳ Ｐゴシック"/>
+        <a:font script="Hang" typeface="맑은 고딕"/>
+        <a:font script="Hans" typeface="宋体"/>
+        <a:font script="Hant" typeface="新細明體"/>
+        <a:font script="Arab" typeface="Arial"/>
+        <a:font script="Hebr" typeface="Arial"/>
+        <a:font script="Thai" typeface="Cordia New"/>
+        <a:font script="Ethi" typeface="Nyala"/>
+        <a:font script="Beng" typeface="Vrinda"/>
+        <a:font script="Gujr" typeface="Shruti"/>
+        <a:font script="Khmr" typeface="DaunPenh"/>
+        <a:font script="Knda" typeface="Tunga"/>
+        <a:font script="Guru" typeface="Raavi"/>
+        <a:font script="Cans" typeface="Euphemia"/>
+        <a:font script="Cher" typeface="Plantagenet Cherokee"/>
+        <a:font script="Yiii" typeface="Microsoft Yi Baiti"/>
+        <a:font script="Tibt" typeface="Microsoft Himalaya"/>
+        <a:font script="Thaa" typeface="MV Boli"/>
+        <a:font script="Deva" typeface="Mangal"/>
+        <a:font script="Telu" typeface="Gautami"/>
+        <a:font script="Taml" typeface="Latha"/>
+        <a:font script="Syrc" typeface="Estrangelo Edessa"/>
+        <a:font script="Orya" typeface="Kalinga"/>
+        <a:font script="Mlym" typeface="Kartika"/>
+        <a:font script="Laoo" typeface="DokChampa"/>
+        <a:font script="Sinh" typeface="Iskoola Pota"/>
+        <a:font script="Mong" typeface="Mongolian Baiti"/>
+        <a:font script="Viet" typeface="Arial"/>
+        <a:font script="Uigh" typeface="Microsoft Uighur"/>
+        <a:font script="Geor" typeface="Sylfaen"/>
+      </a:minorFont>
+    </a:fontScheme>
+    <a:fmtScheme name="Office">
+      <a:fillStyleLst>
+        <a:solidFill>
+          <a:schemeClr val="phClr"/>
+        </a:solidFill>
+        <a:gradFill rotWithShape="1">
+          <a:gsLst>
+            <a:gs pos="0">
+              <a:schemeClr val="phClr">
+                <a:lumMod val="110000"/>
+                <a:satMod val="105000"/>
+                <a:tint val="67000"/>
+              </a:schemeClr>
+            </a:gs>
+            <a:gs pos="50000">
+              <a:schemeClr val="phClr">
+                <a:lumMod val="105000"/>
+                <a:satMod val="103000"/>
+                <a:tint val="73000"/>
+              </a:schemeClr>
+            </a:gs>
+            <a:gs pos="100000">
+              <a:schemeClr val="phClr">
+                <a:lumMod val="105000"/>
+                <a:satMod val="109000"/>
+                <a:tint val="81000"/>
+              </a:schemeClr>
+            </a:gs>
+          </a:gsLst>
+          <a:lin ang="5400000" scaled="0"/>
+        </a:gradFill>
+        <a:gradFill rotWithShape="1">
+          <a:gsLst>
+            <a:gs pos="0">
+              <a:schemeClr val="phClr">
+                <a:satMod val="103000"/>
+                <a:lumMod val="102000"/>
+                <a:tint val="94000"/>
+              </a:schemeClr>
+            </a:gs>
+            <a:gs pos="50000">
+              <a:schemeClr val="phClr">
+                <a:satMod val="110000"/>
+                <a:lumMod val="100000"/>
+                <a:shade val="100000"/>
+              </a:schemeClr>
+            </a:gs>
+            <a:gs pos="100000">
+              <a:schemeClr val="phClr">
+                <a:lumMod val="99000"/>
+                <a:satMod val="120000"/>
+                <a:shade val="78000"/>
+              </a:schemeClr>
+            </a:gs>
+          </a:gsLst>
+          <a:lin ang="5400000" scaled="0"/>
+        </a:gradFill>
+      </a:fillStyleLst>
+      <a:lnStyleLst>
+        <a:ln w="6350" cap="flat" cmpd="sng" algn="ctr">
+          <a:solidFill>
+            <a:schemeClr val="phClr"/>
+          </a:solidFill>
+          <a:prstDash val="solid"/>
+          <a:miter lim="800000"/>
+        </a:ln>
+        <a:ln w="12700" cap="flat" cmpd="sng" algn="ctr">
+          <a:solidFill>
+            <a:schemeClr val="phClr"/>
+          </a:solidFill>
+          <a:prstDash val="solid"/>
+          <a:miter lim="800000"/>
+        </a:ln>
+        <a:ln w="19050" cap="flat" cmpd="sng" algn="ctr">
+          <a:solidFill>
+            <a:schemeClr val="phClr"/>
+          </a:solidFill>
+          <a:prstDash val="solid"/>
+          <a:miter lim="800000"/>
+        </a:ln>
+      </a:lnStyleLst>
+      <a:effectStyleLst>
+        <a:effectStyle>
+          <a:effectLst/>
+        </a:effectStyle>
+        <a:effectStyle>
+          <a:effectLst/>
+        </a:effectStyle>
+        <a:effectStyle>
+          <a:effectLst>
+            <a:outerShdw blurRad="57150" dist="19050" dir="5400000" algn="ctr" rotWithShape="0">
+              <a:srgbClr val="000000">
+                <a:alpha val="63000"/>
+              </a:srgbClr>
+            </a:outerShdw>
+          </a:effectLst>
+        </a:effectStyle>
+      </a:effectStyleLst>
+      <a:bgFillStyleLst>
+        <a:solidFill>
+          <a:schemeClr val="phClr"/>
+        </a:solidFill>
+        <a:solidFill>
+          <a:schemeClr val="phClr">
+            <a:tint val="95000"/>
+            <a:satMod val="170000"/>
+          </a:schemeClr>
+        </a:solidFill>
+        <a:gradFill rotWithShape="1">
+          <a:gsLst>
+            <a:gs pos="0">
+              <a:schemeClr val="phClr">
+                <a:tint val="93000"/>
+                <a:satMod val="150000"/>
+                <a:shade val="98000"/>
+                <a:lumMod val="102000"/>
+              </a:schemeClr>
+            </a:gs>
+            <a:gs pos="50000">
+              <a:schemeClr val="phClr">
+                <a:tint val="98000"/>
+                <a:satMod val="130000"/>
+                <a:shade val="90000"/>
+                <a:lumMod val="103000"/>
+              </a:schemeClr>
+            </a:gs>
+            <a:gs pos="100000">
+              <a:schemeClr val="phClr">
+                <a:shade val="63000"/>
+                <a:satMod val="120000"/>
+              </a:schemeClr>
+            </a:gs>
+          </a:gsLst>
+          <a:lin ang="5400000" scaled="0"/>
+        </a:gradFill>
+      </a:bgFillStyleLst>
+    </a:fmtScheme>
+  </a:themeElements>
+  <a:objectDefaults/>
+  <a:extraClrSchemeLst/>
+  <a:extLst>
+    <a:ext uri="{05A4C25C-085E-4340-85A3-A5531E510DB2}">
+      <thm15:themeFamily xmlns:thm15="http://schemas.microsoft.com/office/thememl/2012/main" name="Office Theme" id="{62F939B6-93AF-4DB8-9C6B-D6C7DFDC589F}" vid="{4A3C46E8-61CC-4603-A589-7422A47A8E4A}"/>
+    </a:ext>
+  </a:extLst>
+</a:theme>
+</file>
+
+<file path=ppt/theme/theme3.xml><?xml version="1.0" encoding="utf-8"?>
+<a:theme xmlns:a="http://schemas.openxmlformats.org/drawingml/2006/main" name="Office Theme">
+  <a:themeElements>
+    <a:clrScheme name="Office">
+      <a:dk1>
+        <a:sysClr val="windowText" lastClr="000000"/>
+      </a:dk1>
+      <a:lt1>
+        <a:sysClr val="window" lastClr="FFFFFF"/>
+      </a:lt1>
+      <a:dk2>
+        <a:srgbClr val="44546A"/>
+      </a:dk2>
+      <a:lt2>
+        <a:srgbClr val="E7E6E6"/>
+      </a:lt2>
+      <a:accent1>
+        <a:srgbClr val="5B9BD5"/>
+      </a:accent1>
+      <a:accent2>
+        <a:srgbClr val="ED7D31"/>
+      </a:accent2>
+      <a:accent3>
+        <a:srgbClr val="A5A5A5"/>
+      </a:accent3>
+      <a:accent4>
+        <a:srgbClr val="FFC000"/>
+      </a:accent4>
+      <a:accent5>
+        <a:srgbClr val="4472C4"/>
+      </a:accent5>
+      <a:accent6>
+        <a:srgbClr val="70AD47"/>
+      </a:accent6>
+      <a:hlink>
+        <a:srgbClr val="0563C1"/>
+      </a:hlink>
+      <a:folHlink>
+        <a:srgbClr val="954F72"/>
+      </a:folHlink>
+    </a:clrScheme>
+    <a:fontScheme name="Office">
+      <a:majorFont>
+        <a:latin typeface="Calibri Light" panose="020F0302020204030204"/>
+        <a:ea typeface=""/>
+        <a:cs typeface=""/>
+        <a:font script="Jpan" typeface="ＭＳ Ｐゴシック"/>
+        <a:font script="Hang" typeface="맑은 고딕"/>
+        <a:font script="Hans" typeface="宋体"/>
+        <a:font script="Hant" typeface="新細明體"/>
+        <a:font script="Arab" typeface="Times New Roman"/>
+        <a:font script="Hebr" typeface="Times New Roman"/>
+        <a:font script="Thai" typeface="Angsana New"/>
+        <a:font script="Ethi" typeface="Nyala"/>
+        <a:font script="Beng" typeface="Vrinda"/>
+        <a:font script="Gujr" typeface="Shruti"/>
+        <a:font script="Khmr" typeface="MoolBoran"/>
+        <a:font script="Knda" typeface="Tunga"/>
+        <a:font script="Guru" typeface="Raavi"/>
+        <a:font script="Cans" typeface="Euphemia"/>
+        <a:font script="Cher" typeface="Plantagenet Cherokee"/>
+        <a:font script="Yiii" typeface="Microsoft Yi Baiti"/>
+        <a:font script="Tibt" typeface="Microsoft Himalaya"/>
+        <a:font script="Thaa" typeface="MV Boli"/>
+        <a:font script="Deva" typeface="Mangal"/>
+        <a:font script="Telu" typeface="Gautami"/>
+        <a:font script="Taml" typeface="Latha"/>
+        <a:font script="Syrc" typeface="Estrangelo Edessa"/>
+        <a:font script="Orya" typeface="Kalinga"/>
+        <a:font script="Mlym" typeface="Kartika"/>
+        <a:font script="Laoo" typeface="DokChampa"/>
+        <a:font script="Sinh" typeface="Iskoola Pota"/>
+        <a:font script="Mong" typeface="Mongolian Baiti"/>
+        <a:font script="Viet" typeface="Times New Roman"/>
+        <a:font script="Uigh" typeface="Microsoft Uighur"/>
+        <a:font script="Geor" typeface="Sylfaen"/>
+      </a:majorFont>
+      <a:minorFont>
+        <a:latin typeface="Calibri" panose="020F0502020204030204"/>
+        <a:ea typeface=""/>
+        <a:cs typeface=""/>
+        <a:font script="Jpan" typeface="ＭＳ Ｐゴシック"/>
+        <a:font script="Hang" typeface="맑은 고딕"/>
+        <a:font script="Hans" typeface="宋体"/>
+        <a:font script="Hant" typeface="新細明體"/>
+        <a:font script="Arab" typeface="Arial"/>
+        <a:font script="Hebr" typeface="Arial"/>
+        <a:font script="Thai" typeface="Cordia New"/>
+        <a:font script="Ethi" typeface="Nyala"/>
+        <a:font script="Beng" typeface="Vrinda"/>
+        <a:font script="Gujr" typeface="Shruti"/>
+        <a:font script="Khmr" typeface="DaunPenh"/>
+        <a:font script="Knda" typeface="Tunga"/>
+        <a:font script="Guru" typeface="Raavi"/>
+        <a:font script="Cans" typeface="Euphemia"/>
+        <a:font script="Cher" typeface="Plantagenet Cherokee"/>
+        <a:font script="Yiii" typeface="Microsoft Yi Baiti"/>
+        <a:font script="Tibt" typeface="Microsoft Himalaya"/>
+        <a:font script="Thaa" typeface="MV Boli"/>
+        <a:font script="Deva" typeface="Mangal"/>
+        <a:font script="Telu" typeface="Gautami"/>
+        <a:font script="Taml" typeface="Latha"/>
+        <a:font script="Syrc" typeface="Estrangelo Edessa"/>
+        <a:font script="Orya" typeface="Kalinga"/>
+        <a:font script="Mlym" typeface="Kartika"/>
+        <a:font script="Laoo" typeface="DokChampa"/>
+        <a:font script="Sinh" typeface="Iskoola Pota"/>
+        <a:font script="Mong" typeface="Mongolian Baiti"/>
+        <a:font script="Viet" typeface="Arial"/>
+        <a:font script="Uigh" typeface="Microsoft Uighur"/>
+        <a:font script="Geor" typeface="Sylfaen"/>
+      </a:minorFont>
+    </a:fontScheme>
+    <a:fmtScheme name="Office">
+      <a:fillStyleLst>
+        <a:solidFill>
+          <a:schemeClr val="phClr"/>
+        </a:solidFill>
+        <a:gradFill rotWithShape="1">
+          <a:gsLst>
+            <a:gs pos="0">
+              <a:schemeClr val="phClr">
+                <a:lumMod val="110000"/>
+                <a:satMod val="105000"/>
+                <a:tint val="67000"/>
+              </a:schemeClr>
+            </a:gs>
+            <a:gs pos="50000">
+              <a:schemeClr val="phClr">
+                <a:lumMod val="105000"/>
+                <a:satMod val="103000"/>
+                <a:tint val="73000"/>
+              </a:schemeClr>
+            </a:gs>
+            <a:gs pos="100000">
+              <a:schemeClr val="phClr">
+                <a:lumMod val="105000"/>
+                <a:satMod val="109000"/>
+                <a:tint val="81000"/>
+              </a:schemeClr>
+            </a:gs>
+          </a:gsLst>
+          <a:lin ang="5400000" scaled="0"/>
+        </a:gradFill>
+        <a:gradFill rotWithShape="1">
+          <a:gsLst>
+            <a:gs pos="0">
+              <a:schemeClr val="phClr">
+                <a:satMod val="103000"/>
+                <a:lumMod val="102000"/>
+                <a:tint val="94000"/>
+              </a:schemeClr>
+            </a:gs>
+            <a:gs pos="50000">
+              <a:schemeClr val="phClr">
+                <a:satMod val="110000"/>
+                <a:lumMod val="100000"/>
+                <a:shade val="100000"/>
+              </a:schemeClr>
+            </a:gs>
+            <a:gs pos="100000">
+              <a:schemeClr val="phClr">
+                <a:lumMod val="99000"/>
+                <a:satMod val="120000"/>
+                <a:shade val="78000"/>
+              </a:schemeClr>
+            </a:gs>
+          </a:gsLst>
+          <a:lin ang="5400000" scaled="0"/>
+        </a:gradFill>
+      </a:fillStyleLst>
+      <a:lnStyleLst>
+        <a:ln w="6350" cap="flat" cmpd="sng" algn="ctr">
+          <a:solidFill>
+            <a:schemeClr val="phClr"/>
+          </a:solidFill>
+          <a:prstDash val="solid"/>
+          <a:miter lim="800000"/>
+        </a:ln>
+        <a:ln w="12700" cap="flat" cmpd="sng" algn="ctr">
+          <a:solidFill>
+            <a:schemeClr val="phClr"/>
+          </a:solidFill>
+          <a:prstDash val="solid"/>
+          <a:miter lim="800000"/>
+        </a:ln>
+        <a:ln w="19050" cap="flat" cmpd="sng" algn="ctr">
+          <a:solidFill>
+            <a:schemeClr val="phClr"/>
+          </a:solidFill>
+          <a:prstDash val="solid"/>
+          <a:miter lim="800000"/>
+        </a:ln>
+      </a:lnStyleLst>
+      <a:effectStyleLst>
+        <a:effectStyle>
+          <a:effectLst/>
+        </a:effectStyle>
+        <a:effectStyle>
+          <a:effectLst/>
+        </a:effectStyle>
+        <a:effectStyle>
+          <a:effectLst>
+            <a:outerShdw blurRad="57150" dist="19050" dir="5400000" algn="ctr" rotWithShape="0">
+              <a:srgbClr val="000000">
+                <a:alpha val="63000"/>
+              </a:srgbClr>
+            </a:outerShdw>
+          </a:effectLst>
+        </a:effectStyle>
+      </a:effectStyleLst>
+      <a:bgFillStyleLst>
+        <a:solidFill>
+          <a:schemeClr val="phClr"/>
+        </a:solidFill>
+        <a:solidFill>
+          <a:schemeClr val="phClr">
+            <a:tint val="95000"/>
+            <a:satMod val="170000"/>
+          </a:schemeClr>
+        </a:solidFill>
+        <a:gradFill rotWithShape="1">
+          <a:gsLst>
+            <a:gs pos="0">
+              <a:schemeClr val="phClr">
+                <a:tint val="93000"/>
+                <a:satMod val="150000"/>
+                <a:shade val="98000"/>
+                <a:lumMod val="102000"/>
+              </a:schemeClr>
+            </a:gs>
+            <a:gs pos="50000">
+              <a:schemeClr val="phClr">
+                <a:tint val="98000"/>
+                <a:satMod val="130000"/>
+                <a:shade val="90000"/>
+                <a:lumMod val="103000"/>
+              </a:schemeClr>
+            </a:gs>
+            <a:gs pos="100000">
+              <a:schemeClr val="phClr">
+                <a:shade val="63000"/>
+                <a:satMod val="120000"/>
+              </a:schemeClr>
+            </a:gs>
+          </a:gsLst>
+          <a:lin ang="5400000" scaled="0"/>
+        </a:gradFill>
+      </a:bgFillStyleLst>
+    </a:fmtScheme>
+  </a:themeElements>
+  <a:objectDefaults/>
+  <a:extraClrSchemeLst/>
+  <a:extLst>
+    <a:ext uri="{05A4C25C-085E-4340-85A3-A5531E510DB2}">
+      <thm15:themeFamily xmlns:thm15="http://schemas.microsoft.com/office/thememl/2012/main" name="Office Theme" id="{62F939B6-93AF-4DB8-9C6B-D6C7DFDC589F}" vid="{4A3C46E8-61CC-4603-A589-7422A47A8E4A}"/>
+    </a:ext>
+  </a:extLst>
+</a:theme>
 </file>